--- a/PPT/2024-11-30-wk.pptx
+++ b/PPT/2024-11-30-wk.pptx
@@ -3,33 +3,33 @@
 <p:presentation xmlns:a="http://schemas.openxmlformats.org/drawingml/2006/main" xmlns:r="http://schemas.openxmlformats.org/officeDocument/2006/relationships" xmlns:p="http://schemas.openxmlformats.org/presentationml/2006/main">
   <p:sldMasterIdLst>
     <p:sldMasterId id="2147483648" r:id="rId1"/>
-    <p:sldMasterId id="2147483660" r:id="rId3"/>
+    <p:sldMasterId id="2147483660" r:id="rId2"/>
   </p:sldMasterIdLst>
   <p:notesMasterIdLst>
-    <p:notesMasterId r:id="rId12"/>
+    <p:notesMasterId r:id="rId19"/>
   </p:notesMasterIdLst>
   <p:sldIdLst>
-    <p:sldId id="256" r:id="rId4"/>
-    <p:sldId id="271" r:id="rId5"/>
-    <p:sldId id="285" r:id="rId6"/>
-    <p:sldId id="286" r:id="rId7"/>
-    <p:sldId id="293" r:id="rId8"/>
-    <p:sldId id="287" r:id="rId9"/>
-    <p:sldId id="272" r:id="rId10"/>
-    <p:sldId id="259" r:id="rId11"/>
-    <p:sldId id="288" r:id="rId13"/>
-    <p:sldId id="289" r:id="rId14"/>
-    <p:sldId id="290" r:id="rId15"/>
-    <p:sldId id="291" r:id="rId16"/>
-    <p:sldId id="261" r:id="rId17"/>
-    <p:sldId id="292" r:id="rId18"/>
-    <p:sldId id="266" r:id="rId19"/>
-    <p:sldId id="294" r:id="rId20"/>
+    <p:sldId id="256" r:id="rId3"/>
+    <p:sldId id="271" r:id="rId4"/>
+    <p:sldId id="285" r:id="rId5"/>
+    <p:sldId id="286" r:id="rId6"/>
+    <p:sldId id="293" r:id="rId7"/>
+    <p:sldId id="287" r:id="rId8"/>
+    <p:sldId id="272" r:id="rId9"/>
+    <p:sldId id="259" r:id="rId10"/>
+    <p:sldId id="288" r:id="rId11"/>
+    <p:sldId id="289" r:id="rId12"/>
+    <p:sldId id="290" r:id="rId13"/>
+    <p:sldId id="291" r:id="rId14"/>
+    <p:sldId id="261" r:id="rId15"/>
+    <p:sldId id="292" r:id="rId16"/>
+    <p:sldId id="266" r:id="rId17"/>
+    <p:sldId id="294" r:id="rId18"/>
   </p:sldIdLst>
   <p:sldSz cx="12192000" cy="6858000"/>
   <p:notesSz cx="6858000" cy="9144000"/>
   <p:custDataLst>
-    <p:tags r:id="rId24"/>
+    <p:tags r:id="rId20"/>
   </p:custDataLst>
   <p:defaultTextStyle>
     <a:defPPr>
@@ -162,6 +162,9 @@
         </p14:section>
       </p14:sectionLst>
     </p:ext>
+    <p:ext uri="{EFAFB233-063F-42B5-8137-9DF3F51BA10A}">
+      <p15:sldGuideLst xmlns:p15="http://schemas.microsoft.com/office/powerpoint/2012/main"/>
+    </p:ext>
   </p:extLst>
 </p:presentation>
 </file>
@@ -248,6 +251,7 @@
           <a:p>
             <a:fld id="{9948B512-A8A9-4D8E-9AFA-A4EAAB65F5B6}" type="datetimeFigureOut">
               <a:rPr lang="zh-CN" altLang="en-US" smtClean="0"/>
+              <a:t>2024/12/3</a:t>
             </a:fld>
             <a:endParaRPr lang="zh-CN" altLang="en-US"/>
           </a:p>
@@ -314,7 +318,6 @@
               <a:rPr lang="zh-CN" altLang="en-US"/>
               <a:t>单击此处编辑母版文本样式</a:t>
             </a:r>
-            <a:endParaRPr lang="zh-CN" altLang="en-US"/>
           </a:p>
           <a:p>
             <a:pPr lvl="1"/>
@@ -322,7 +325,6 @@
               <a:rPr lang="zh-CN" altLang="en-US"/>
               <a:t>二级</a:t>
             </a:r>
-            <a:endParaRPr lang="zh-CN" altLang="en-US"/>
           </a:p>
           <a:p>
             <a:pPr lvl="2"/>
@@ -330,7 +332,6 @@
               <a:rPr lang="zh-CN" altLang="en-US"/>
               <a:t>三级</a:t>
             </a:r>
-            <a:endParaRPr lang="zh-CN" altLang="en-US"/>
           </a:p>
           <a:p>
             <a:pPr lvl="3"/>
@@ -338,7 +339,6 @@
               <a:rPr lang="zh-CN" altLang="en-US"/>
               <a:t>四级</a:t>
             </a:r>
-            <a:endParaRPr lang="zh-CN" altLang="en-US"/>
           </a:p>
           <a:p>
             <a:pPr lvl="4"/>
@@ -346,7 +346,6 @@
               <a:rPr lang="zh-CN" altLang="en-US"/>
               <a:t>五级</a:t>
             </a:r>
-            <a:endParaRPr lang="zh-CN" altLang="en-US"/>
           </a:p>
         </p:txBody>
       </p:sp>
@@ -410,6 +409,7 @@
           <a:p>
             <a:fld id="{EAB2E098-6F6B-4136-ABC5-D886642FCC27}" type="slidenum">
               <a:rPr lang="zh-CN" altLang="en-US" smtClean="0"/>
+              <a:t>‹#›</a:t>
             </a:fld>
             <a:endParaRPr lang="zh-CN" altLang="en-US"/>
           </a:p>
@@ -578,6 +578,7 @@
           <a:p>
             <a:fld id="{EAB2E098-6F6B-4136-ABC5-D886642FCC27}" type="slidenum">
               <a:rPr lang="zh-CN" altLang="en-US" smtClean="0"/>
+              <a:t>8</a:t>
             </a:fld>
             <a:endParaRPr lang="zh-CN" altLang="en-US"/>
           </a:p>
@@ -656,6 +657,7 @@
           <a:p>
             <a:fld id="{EAB2E098-6F6B-4136-ABC5-D886642FCC27}" type="slidenum">
               <a:rPr lang="zh-CN" altLang="en-US" smtClean="0"/>
+              <a:t>9</a:t>
             </a:fld>
             <a:endParaRPr lang="zh-CN" altLang="en-US"/>
           </a:p>
@@ -734,6 +736,7 @@
           <a:p>
             <a:fld id="{EAB2E098-6F6B-4136-ABC5-D886642FCC27}" type="slidenum">
               <a:rPr lang="zh-CN" altLang="en-US" smtClean="0"/>
+              <a:t>10</a:t>
             </a:fld>
             <a:endParaRPr lang="zh-CN" altLang="en-US"/>
           </a:p>
@@ -812,6 +815,7 @@
           <a:p>
             <a:fld id="{EAB2E098-6F6B-4136-ABC5-D886642FCC27}" type="slidenum">
               <a:rPr lang="zh-CN" altLang="en-US" smtClean="0"/>
+              <a:t>11</a:t>
             </a:fld>
             <a:endParaRPr lang="zh-CN" altLang="en-US"/>
           </a:p>
@@ -890,6 +894,7 @@
           <a:p>
             <a:fld id="{EAB2E098-6F6B-4136-ABC5-D886642FCC27}" type="slidenum">
               <a:rPr lang="zh-CN" altLang="en-US" smtClean="0"/>
+              <a:t>12</a:t>
             </a:fld>
             <a:endParaRPr lang="zh-CN" altLang="en-US"/>
           </a:p>
@@ -968,6 +973,7 @@
           <a:p>
             <a:fld id="{EAB2E098-6F6B-4136-ABC5-D886642FCC27}" type="slidenum">
               <a:rPr lang="zh-CN" altLang="en-US" smtClean="0"/>
+              <a:t>15</a:t>
             </a:fld>
             <a:endParaRPr lang="zh-CN" altLang="en-US"/>
           </a:p>
@@ -1026,7 +1032,6 @@
               <a:rPr lang="zh-CN" altLang="en-US"/>
               <a:t>单击此处编辑母版标题样式</a:t>
             </a:r>
-            <a:endParaRPr lang="zh-CN" altLang="en-US"/>
           </a:p>
         </p:txBody>
       </p:sp>
@@ -1091,7 +1096,6 @@
               <a:rPr lang="zh-CN" altLang="en-US"/>
               <a:t>单击此处编辑母版副标题样式</a:t>
             </a:r>
-            <a:endParaRPr lang="zh-CN" altLang="en-US"/>
           </a:p>
         </p:txBody>
       </p:sp>
@@ -1112,6 +1116,7 @@
           <a:p>
             <a:fld id="{5131DBC6-E882-4DDB-8601-6A7E3A6D18DF}" type="datetimeFigureOut">
               <a:rPr lang="zh-CN" altLang="en-US" smtClean="0"/>
+              <a:t>2024/12/3</a:t>
             </a:fld>
             <a:endParaRPr lang="zh-CN" altLang="en-US"/>
           </a:p>
@@ -1153,6 +1158,7 @@
           <a:p>
             <a:fld id="{625A359B-38A8-4FD8-9812-5A069998D20F}" type="slidenum">
               <a:rPr lang="zh-CN" altLang="en-US" smtClean="0"/>
+              <a:t>‹#›</a:t>
             </a:fld>
             <a:endParaRPr lang="zh-CN" altLang="en-US"/>
           </a:p>
@@ -1202,7 +1208,6 @@
               <a:rPr lang="zh-CN" altLang="en-US"/>
               <a:t>单击此处编辑母版标题样式</a:t>
             </a:r>
-            <a:endParaRPr lang="zh-CN" altLang="en-US"/>
           </a:p>
         </p:txBody>
       </p:sp>
@@ -1226,7 +1231,6 @@
               <a:rPr lang="zh-CN" altLang="en-US"/>
               <a:t>单击此处编辑母版文本样式</a:t>
             </a:r>
-            <a:endParaRPr lang="zh-CN" altLang="en-US"/>
           </a:p>
           <a:p>
             <a:pPr lvl="1"/>
@@ -1234,7 +1238,6 @@
               <a:rPr lang="zh-CN" altLang="en-US"/>
               <a:t>二级</a:t>
             </a:r>
-            <a:endParaRPr lang="zh-CN" altLang="en-US"/>
           </a:p>
           <a:p>
             <a:pPr lvl="2"/>
@@ -1242,7 +1245,6 @@
               <a:rPr lang="zh-CN" altLang="en-US"/>
               <a:t>三级</a:t>
             </a:r>
-            <a:endParaRPr lang="zh-CN" altLang="en-US"/>
           </a:p>
           <a:p>
             <a:pPr lvl="3"/>
@@ -1250,7 +1252,6 @@
               <a:rPr lang="zh-CN" altLang="en-US"/>
               <a:t>四级</a:t>
             </a:r>
-            <a:endParaRPr lang="zh-CN" altLang="en-US"/>
           </a:p>
           <a:p>
             <a:pPr lvl="4"/>
@@ -1258,7 +1259,6 @@
               <a:rPr lang="zh-CN" altLang="en-US"/>
               <a:t>五级</a:t>
             </a:r>
-            <a:endParaRPr lang="zh-CN" altLang="en-US"/>
           </a:p>
         </p:txBody>
       </p:sp>
@@ -1279,6 +1279,7 @@
           <a:p>
             <a:fld id="{5131DBC6-E882-4DDB-8601-6A7E3A6D18DF}" type="datetimeFigureOut">
               <a:rPr lang="zh-CN" altLang="en-US" smtClean="0"/>
+              <a:t>2024/12/3</a:t>
             </a:fld>
             <a:endParaRPr lang="zh-CN" altLang="en-US"/>
           </a:p>
@@ -1320,6 +1321,7 @@
           <a:p>
             <a:fld id="{625A359B-38A8-4FD8-9812-5A069998D20F}" type="slidenum">
               <a:rPr lang="zh-CN" altLang="en-US" smtClean="0"/>
+              <a:t>‹#›</a:t>
             </a:fld>
             <a:endParaRPr lang="zh-CN" altLang="en-US"/>
           </a:p>
@@ -1374,7 +1376,6 @@
               <a:rPr lang="zh-CN" altLang="en-US"/>
               <a:t>单击此处编辑母版标题样式</a:t>
             </a:r>
-            <a:endParaRPr lang="zh-CN" altLang="en-US"/>
           </a:p>
         </p:txBody>
       </p:sp>
@@ -1403,7 +1404,6 @@
               <a:rPr lang="zh-CN" altLang="en-US"/>
               <a:t>单击此处编辑母版文本样式</a:t>
             </a:r>
-            <a:endParaRPr lang="zh-CN" altLang="en-US"/>
           </a:p>
           <a:p>
             <a:pPr lvl="1"/>
@@ -1411,7 +1411,6 @@
               <a:rPr lang="zh-CN" altLang="en-US"/>
               <a:t>二级</a:t>
             </a:r>
-            <a:endParaRPr lang="zh-CN" altLang="en-US"/>
           </a:p>
           <a:p>
             <a:pPr lvl="2"/>
@@ -1419,7 +1418,6 @@
               <a:rPr lang="zh-CN" altLang="en-US"/>
               <a:t>三级</a:t>
             </a:r>
-            <a:endParaRPr lang="zh-CN" altLang="en-US"/>
           </a:p>
           <a:p>
             <a:pPr lvl="3"/>
@@ -1427,7 +1425,6 @@
               <a:rPr lang="zh-CN" altLang="en-US"/>
               <a:t>四级</a:t>
             </a:r>
-            <a:endParaRPr lang="zh-CN" altLang="en-US"/>
           </a:p>
           <a:p>
             <a:pPr lvl="4"/>
@@ -1435,7 +1432,6 @@
               <a:rPr lang="zh-CN" altLang="en-US"/>
               <a:t>五级</a:t>
             </a:r>
-            <a:endParaRPr lang="zh-CN" altLang="en-US"/>
           </a:p>
         </p:txBody>
       </p:sp>
@@ -1456,6 +1452,7 @@
           <a:p>
             <a:fld id="{5131DBC6-E882-4DDB-8601-6A7E3A6D18DF}" type="datetimeFigureOut">
               <a:rPr lang="zh-CN" altLang="en-US" smtClean="0"/>
+              <a:t>2024/12/3</a:t>
             </a:fld>
             <a:endParaRPr lang="zh-CN" altLang="en-US"/>
           </a:p>
@@ -1497,6 +1494,7 @@
           <a:p>
             <a:fld id="{625A359B-38A8-4FD8-9812-5A069998D20F}" type="slidenum">
               <a:rPr lang="zh-CN" altLang="en-US" smtClean="0"/>
+              <a:t>‹#›</a:t>
             </a:fld>
             <a:endParaRPr lang="zh-CN" altLang="en-US"/>
           </a:p>
@@ -1555,7 +1553,6 @@
               <a:rPr lang="zh-CN" altLang="en-US"/>
               <a:t>单击此处编辑母版标题样式</a:t>
             </a:r>
-            <a:endParaRPr lang="zh-CN" altLang="en-US"/>
           </a:p>
         </p:txBody>
       </p:sp>
@@ -1620,7 +1617,6 @@
               <a:rPr lang="zh-CN" altLang="en-US"/>
               <a:t>单击此处编辑母版副标题样式</a:t>
             </a:r>
-            <a:endParaRPr lang="zh-CN" altLang="en-US"/>
           </a:p>
         </p:txBody>
       </p:sp>
@@ -1641,6 +1637,7 @@
           <a:p>
             <a:fld id="{5131DBC6-E882-4DDB-8601-6A7E3A6D18DF}" type="datetimeFigureOut">
               <a:rPr lang="zh-CN" altLang="en-US" smtClean="0"/>
+              <a:t>2024/12/3</a:t>
             </a:fld>
             <a:endParaRPr lang="zh-CN" altLang="en-US"/>
           </a:p>
@@ -1682,6 +1679,7 @@
           <a:p>
             <a:fld id="{625A359B-38A8-4FD8-9812-5A069998D20F}" type="slidenum">
               <a:rPr lang="zh-CN" altLang="en-US" smtClean="0"/>
+              <a:t>‹#›</a:t>
             </a:fld>
             <a:endParaRPr lang="zh-CN" altLang="en-US"/>
           </a:p>
@@ -1731,7 +1729,6 @@
               <a:rPr lang="zh-CN" altLang="en-US"/>
               <a:t>单击此处编辑母版标题样式</a:t>
             </a:r>
-            <a:endParaRPr lang="zh-CN" altLang="en-US"/>
           </a:p>
         </p:txBody>
       </p:sp>
@@ -1755,7 +1752,6 @@
               <a:rPr lang="zh-CN" altLang="en-US"/>
               <a:t>单击此处编辑母版文本样式</a:t>
             </a:r>
-            <a:endParaRPr lang="zh-CN" altLang="en-US"/>
           </a:p>
           <a:p>
             <a:pPr lvl="1"/>
@@ -1763,7 +1759,6 @@
               <a:rPr lang="zh-CN" altLang="en-US"/>
               <a:t>二级</a:t>
             </a:r>
-            <a:endParaRPr lang="zh-CN" altLang="en-US"/>
           </a:p>
           <a:p>
             <a:pPr lvl="2"/>
@@ -1771,7 +1766,6 @@
               <a:rPr lang="zh-CN" altLang="en-US"/>
               <a:t>三级</a:t>
             </a:r>
-            <a:endParaRPr lang="zh-CN" altLang="en-US"/>
           </a:p>
           <a:p>
             <a:pPr lvl="3"/>
@@ -1779,7 +1773,6 @@
               <a:rPr lang="zh-CN" altLang="en-US"/>
               <a:t>四级</a:t>
             </a:r>
-            <a:endParaRPr lang="zh-CN" altLang="en-US"/>
           </a:p>
           <a:p>
             <a:pPr lvl="4"/>
@@ -1787,7 +1780,6 @@
               <a:rPr lang="zh-CN" altLang="en-US"/>
               <a:t>五级</a:t>
             </a:r>
-            <a:endParaRPr lang="zh-CN" altLang="en-US"/>
           </a:p>
         </p:txBody>
       </p:sp>
@@ -1808,6 +1800,7 @@
           <a:p>
             <a:fld id="{5131DBC6-E882-4DDB-8601-6A7E3A6D18DF}" type="datetimeFigureOut">
               <a:rPr lang="zh-CN" altLang="en-US" smtClean="0"/>
+              <a:t>2024/12/3</a:t>
             </a:fld>
             <a:endParaRPr lang="zh-CN" altLang="en-US"/>
           </a:p>
@@ -1849,6 +1842,7 @@
           <a:p>
             <a:fld id="{625A359B-38A8-4FD8-9812-5A069998D20F}" type="slidenum">
               <a:rPr lang="zh-CN" altLang="en-US" smtClean="0"/>
+              <a:t>‹#›</a:t>
             </a:fld>
             <a:endParaRPr lang="zh-CN" altLang="en-US"/>
           </a:p>
@@ -1907,7 +1901,6 @@
               <a:rPr lang="zh-CN" altLang="en-US"/>
               <a:t>单击此处编辑母版标题样式</a:t>
             </a:r>
-            <a:endParaRPr lang="zh-CN" altLang="en-US"/>
           </a:p>
         </p:txBody>
       </p:sp>
@@ -2027,7 +2020,6 @@
               <a:rPr lang="zh-CN" altLang="en-US"/>
               <a:t>单击此处编辑母版文本样式</a:t>
             </a:r>
-            <a:endParaRPr lang="zh-CN" altLang="en-US"/>
           </a:p>
         </p:txBody>
       </p:sp>
@@ -2048,6 +2040,7 @@
           <a:p>
             <a:fld id="{5131DBC6-E882-4DDB-8601-6A7E3A6D18DF}" type="datetimeFigureOut">
               <a:rPr lang="zh-CN" altLang="en-US" smtClean="0"/>
+              <a:t>2024/12/3</a:t>
             </a:fld>
             <a:endParaRPr lang="zh-CN" altLang="en-US"/>
           </a:p>
@@ -2089,6 +2082,7 @@
           <a:p>
             <a:fld id="{625A359B-38A8-4FD8-9812-5A069998D20F}" type="slidenum">
               <a:rPr lang="zh-CN" altLang="en-US" smtClean="0"/>
+              <a:t>‹#›</a:t>
             </a:fld>
             <a:endParaRPr lang="zh-CN" altLang="en-US"/>
           </a:p>
@@ -2138,7 +2132,6 @@
               <a:rPr lang="zh-CN" altLang="en-US"/>
               <a:t>单击此处编辑母版标题样式</a:t>
             </a:r>
-            <a:endParaRPr lang="zh-CN" altLang="en-US"/>
           </a:p>
         </p:txBody>
       </p:sp>
@@ -2167,7 +2160,6 @@
               <a:rPr lang="zh-CN" altLang="en-US"/>
               <a:t>单击此处编辑母版文本样式</a:t>
             </a:r>
-            <a:endParaRPr lang="zh-CN" altLang="en-US"/>
           </a:p>
           <a:p>
             <a:pPr lvl="1"/>
@@ -2175,7 +2167,6 @@
               <a:rPr lang="zh-CN" altLang="en-US"/>
               <a:t>二级</a:t>
             </a:r>
-            <a:endParaRPr lang="zh-CN" altLang="en-US"/>
           </a:p>
           <a:p>
             <a:pPr lvl="2"/>
@@ -2183,7 +2174,6 @@
               <a:rPr lang="zh-CN" altLang="en-US"/>
               <a:t>三级</a:t>
             </a:r>
-            <a:endParaRPr lang="zh-CN" altLang="en-US"/>
           </a:p>
           <a:p>
             <a:pPr lvl="3"/>
@@ -2191,7 +2181,6 @@
               <a:rPr lang="zh-CN" altLang="en-US"/>
               <a:t>四级</a:t>
             </a:r>
-            <a:endParaRPr lang="zh-CN" altLang="en-US"/>
           </a:p>
           <a:p>
             <a:pPr lvl="4"/>
@@ -2199,7 +2188,6 @@
               <a:rPr lang="zh-CN" altLang="en-US"/>
               <a:t>五级</a:t>
             </a:r>
-            <a:endParaRPr lang="zh-CN" altLang="en-US"/>
           </a:p>
         </p:txBody>
       </p:sp>
@@ -2228,7 +2216,6 @@
               <a:rPr lang="zh-CN" altLang="en-US"/>
               <a:t>单击此处编辑母版文本样式</a:t>
             </a:r>
-            <a:endParaRPr lang="zh-CN" altLang="en-US"/>
           </a:p>
           <a:p>
             <a:pPr lvl="1"/>
@@ -2236,7 +2223,6 @@
               <a:rPr lang="zh-CN" altLang="en-US"/>
               <a:t>二级</a:t>
             </a:r>
-            <a:endParaRPr lang="zh-CN" altLang="en-US"/>
           </a:p>
           <a:p>
             <a:pPr lvl="2"/>
@@ -2244,7 +2230,6 @@
               <a:rPr lang="zh-CN" altLang="en-US"/>
               <a:t>三级</a:t>
             </a:r>
-            <a:endParaRPr lang="zh-CN" altLang="en-US"/>
           </a:p>
           <a:p>
             <a:pPr lvl="3"/>
@@ -2252,7 +2237,6 @@
               <a:rPr lang="zh-CN" altLang="en-US"/>
               <a:t>四级</a:t>
             </a:r>
-            <a:endParaRPr lang="zh-CN" altLang="en-US"/>
           </a:p>
           <a:p>
             <a:pPr lvl="4"/>
@@ -2260,7 +2244,6 @@
               <a:rPr lang="zh-CN" altLang="en-US"/>
               <a:t>五级</a:t>
             </a:r>
-            <a:endParaRPr lang="zh-CN" altLang="en-US"/>
           </a:p>
         </p:txBody>
       </p:sp>
@@ -2281,6 +2264,7 @@
           <a:p>
             <a:fld id="{5131DBC6-E882-4DDB-8601-6A7E3A6D18DF}" type="datetimeFigureOut">
               <a:rPr lang="zh-CN" altLang="en-US" smtClean="0"/>
+              <a:t>2024/12/3</a:t>
             </a:fld>
             <a:endParaRPr lang="zh-CN" altLang="en-US"/>
           </a:p>
@@ -2322,6 +2306,7 @@
           <a:p>
             <a:fld id="{625A359B-38A8-4FD8-9812-5A069998D20F}" type="slidenum">
               <a:rPr lang="zh-CN" altLang="en-US" smtClean="0"/>
+              <a:t>‹#›</a:t>
             </a:fld>
             <a:endParaRPr lang="zh-CN" altLang="en-US"/>
           </a:p>
@@ -2376,7 +2361,6 @@
               <a:rPr lang="zh-CN" altLang="en-US"/>
               <a:t>单击此处编辑母版标题样式</a:t>
             </a:r>
-            <a:endParaRPr lang="zh-CN" altLang="en-US"/>
           </a:p>
         </p:txBody>
       </p:sp>
@@ -2442,7 +2426,6 @@
               <a:rPr lang="zh-CN" altLang="en-US"/>
               <a:t>单击此处编辑母版文本样式</a:t>
             </a:r>
-            <a:endParaRPr lang="zh-CN" altLang="en-US"/>
           </a:p>
         </p:txBody>
       </p:sp>
@@ -2471,7 +2454,6 @@
               <a:rPr lang="zh-CN" altLang="en-US"/>
               <a:t>单击此处编辑母版文本样式</a:t>
             </a:r>
-            <a:endParaRPr lang="zh-CN" altLang="en-US"/>
           </a:p>
           <a:p>
             <a:pPr lvl="1"/>
@@ -2479,7 +2461,6 @@
               <a:rPr lang="zh-CN" altLang="en-US"/>
               <a:t>二级</a:t>
             </a:r>
-            <a:endParaRPr lang="zh-CN" altLang="en-US"/>
           </a:p>
           <a:p>
             <a:pPr lvl="2"/>
@@ -2487,7 +2468,6 @@
               <a:rPr lang="zh-CN" altLang="en-US"/>
               <a:t>三级</a:t>
             </a:r>
-            <a:endParaRPr lang="zh-CN" altLang="en-US"/>
           </a:p>
           <a:p>
             <a:pPr lvl="3"/>
@@ -2495,7 +2475,6 @@
               <a:rPr lang="zh-CN" altLang="en-US"/>
               <a:t>四级</a:t>
             </a:r>
-            <a:endParaRPr lang="zh-CN" altLang="en-US"/>
           </a:p>
           <a:p>
             <a:pPr lvl="4"/>
@@ -2503,7 +2482,6 @@
               <a:rPr lang="zh-CN" altLang="en-US"/>
               <a:t>五级</a:t>
             </a:r>
-            <a:endParaRPr lang="zh-CN" altLang="en-US"/>
           </a:p>
         </p:txBody>
       </p:sp>
@@ -2569,7 +2547,6 @@
               <a:rPr lang="zh-CN" altLang="en-US"/>
               <a:t>单击此处编辑母版文本样式</a:t>
             </a:r>
-            <a:endParaRPr lang="zh-CN" altLang="en-US"/>
           </a:p>
         </p:txBody>
       </p:sp>
@@ -2598,7 +2575,6 @@
               <a:rPr lang="zh-CN" altLang="en-US"/>
               <a:t>单击此处编辑母版文本样式</a:t>
             </a:r>
-            <a:endParaRPr lang="zh-CN" altLang="en-US"/>
           </a:p>
           <a:p>
             <a:pPr lvl="1"/>
@@ -2606,7 +2582,6 @@
               <a:rPr lang="zh-CN" altLang="en-US"/>
               <a:t>二级</a:t>
             </a:r>
-            <a:endParaRPr lang="zh-CN" altLang="en-US"/>
           </a:p>
           <a:p>
             <a:pPr lvl="2"/>
@@ -2614,7 +2589,6 @@
               <a:rPr lang="zh-CN" altLang="en-US"/>
               <a:t>三级</a:t>
             </a:r>
-            <a:endParaRPr lang="zh-CN" altLang="en-US"/>
           </a:p>
           <a:p>
             <a:pPr lvl="3"/>
@@ -2622,7 +2596,6 @@
               <a:rPr lang="zh-CN" altLang="en-US"/>
               <a:t>四级</a:t>
             </a:r>
-            <a:endParaRPr lang="zh-CN" altLang="en-US"/>
           </a:p>
           <a:p>
             <a:pPr lvl="4"/>
@@ -2630,7 +2603,6 @@
               <a:rPr lang="zh-CN" altLang="en-US"/>
               <a:t>五级</a:t>
             </a:r>
-            <a:endParaRPr lang="zh-CN" altLang="en-US"/>
           </a:p>
         </p:txBody>
       </p:sp>
@@ -2651,6 +2623,7 @@
           <a:p>
             <a:fld id="{5131DBC6-E882-4DDB-8601-6A7E3A6D18DF}" type="datetimeFigureOut">
               <a:rPr lang="zh-CN" altLang="en-US" smtClean="0"/>
+              <a:t>2024/12/3</a:t>
             </a:fld>
             <a:endParaRPr lang="zh-CN" altLang="en-US"/>
           </a:p>
@@ -2692,6 +2665,7 @@
           <a:p>
             <a:fld id="{625A359B-38A8-4FD8-9812-5A069998D20F}" type="slidenum">
               <a:rPr lang="zh-CN" altLang="en-US" smtClean="0"/>
+              <a:t>‹#›</a:t>
             </a:fld>
             <a:endParaRPr lang="zh-CN" altLang="en-US"/>
           </a:p>
@@ -2741,7 +2715,6 @@
               <a:rPr lang="zh-CN" altLang="en-US"/>
               <a:t>单击此处编辑母版标题样式</a:t>
             </a:r>
-            <a:endParaRPr lang="zh-CN" altLang="en-US"/>
           </a:p>
         </p:txBody>
       </p:sp>
@@ -2762,6 +2735,7 @@
           <a:p>
             <a:fld id="{5131DBC6-E882-4DDB-8601-6A7E3A6D18DF}" type="datetimeFigureOut">
               <a:rPr lang="zh-CN" altLang="en-US" smtClean="0"/>
+              <a:t>2024/12/3</a:t>
             </a:fld>
             <a:endParaRPr lang="zh-CN" altLang="en-US"/>
           </a:p>
@@ -2803,6 +2777,7 @@
           <a:p>
             <a:fld id="{625A359B-38A8-4FD8-9812-5A069998D20F}" type="slidenum">
               <a:rPr lang="zh-CN" altLang="en-US" smtClean="0"/>
+              <a:t>‹#›</a:t>
             </a:fld>
             <a:endParaRPr lang="zh-CN" altLang="en-US"/>
           </a:p>
@@ -2850,6 +2825,7 @@
           <a:p>
             <a:fld id="{5131DBC6-E882-4DDB-8601-6A7E3A6D18DF}" type="datetimeFigureOut">
               <a:rPr lang="zh-CN" altLang="en-US" smtClean="0"/>
+              <a:t>2024/12/3</a:t>
             </a:fld>
             <a:endParaRPr lang="zh-CN" altLang="en-US"/>
           </a:p>
@@ -2891,6 +2867,7 @@
           <a:p>
             <a:fld id="{625A359B-38A8-4FD8-9812-5A069998D20F}" type="slidenum">
               <a:rPr lang="zh-CN" altLang="en-US" smtClean="0"/>
+              <a:t>‹#›</a:t>
             </a:fld>
             <a:endParaRPr lang="zh-CN" altLang="en-US"/>
           </a:p>
@@ -2949,7 +2926,6 @@
               <a:rPr lang="zh-CN" altLang="en-US"/>
               <a:t>单击此处编辑母版标题样式</a:t>
             </a:r>
-            <a:endParaRPr lang="zh-CN" altLang="en-US"/>
           </a:p>
         </p:txBody>
       </p:sp>
@@ -3006,7 +2982,6 @@
               <a:rPr lang="zh-CN" altLang="en-US"/>
               <a:t>单击此处编辑母版文本样式</a:t>
             </a:r>
-            <a:endParaRPr lang="zh-CN" altLang="en-US"/>
           </a:p>
           <a:p>
             <a:pPr lvl="1"/>
@@ -3014,7 +2989,6 @@
               <a:rPr lang="zh-CN" altLang="en-US"/>
               <a:t>二级</a:t>
             </a:r>
-            <a:endParaRPr lang="zh-CN" altLang="en-US"/>
           </a:p>
           <a:p>
             <a:pPr lvl="2"/>
@@ -3022,7 +2996,6 @@
               <a:rPr lang="zh-CN" altLang="en-US"/>
               <a:t>三级</a:t>
             </a:r>
-            <a:endParaRPr lang="zh-CN" altLang="en-US"/>
           </a:p>
           <a:p>
             <a:pPr lvl="3"/>
@@ -3030,7 +3003,6 @@
               <a:rPr lang="zh-CN" altLang="en-US"/>
               <a:t>四级</a:t>
             </a:r>
-            <a:endParaRPr lang="zh-CN" altLang="en-US"/>
           </a:p>
           <a:p>
             <a:pPr lvl="4"/>
@@ -3038,7 +3010,6 @@
               <a:rPr lang="zh-CN" altLang="en-US"/>
               <a:t>五级</a:t>
             </a:r>
-            <a:endParaRPr lang="zh-CN" altLang="en-US"/>
           </a:p>
         </p:txBody>
       </p:sp>
@@ -3104,7 +3075,6 @@
               <a:rPr lang="zh-CN" altLang="en-US"/>
               <a:t>单击此处编辑母版文本样式</a:t>
             </a:r>
-            <a:endParaRPr lang="zh-CN" altLang="en-US"/>
           </a:p>
         </p:txBody>
       </p:sp>
@@ -3125,6 +3095,7 @@
           <a:p>
             <a:fld id="{5131DBC6-E882-4DDB-8601-6A7E3A6D18DF}" type="datetimeFigureOut">
               <a:rPr lang="zh-CN" altLang="en-US" smtClean="0"/>
+              <a:t>2024/12/3</a:t>
             </a:fld>
             <a:endParaRPr lang="zh-CN" altLang="en-US"/>
           </a:p>
@@ -3166,6 +3137,7 @@
           <a:p>
             <a:fld id="{625A359B-38A8-4FD8-9812-5A069998D20F}" type="slidenum">
               <a:rPr lang="zh-CN" altLang="en-US" smtClean="0"/>
+              <a:t>‹#›</a:t>
             </a:fld>
             <a:endParaRPr lang="zh-CN" altLang="en-US"/>
           </a:p>
@@ -3215,7 +3187,6 @@
               <a:rPr lang="zh-CN" altLang="en-US"/>
               <a:t>单击此处编辑母版标题样式</a:t>
             </a:r>
-            <a:endParaRPr lang="zh-CN" altLang="en-US"/>
           </a:p>
         </p:txBody>
       </p:sp>
@@ -3239,7 +3210,6 @@
               <a:rPr lang="zh-CN" altLang="en-US"/>
               <a:t>单击此处编辑母版文本样式</a:t>
             </a:r>
-            <a:endParaRPr lang="zh-CN" altLang="en-US"/>
           </a:p>
           <a:p>
             <a:pPr lvl="1"/>
@@ -3247,7 +3217,6 @@
               <a:rPr lang="zh-CN" altLang="en-US"/>
               <a:t>二级</a:t>
             </a:r>
-            <a:endParaRPr lang="zh-CN" altLang="en-US"/>
           </a:p>
           <a:p>
             <a:pPr lvl="2"/>
@@ -3255,7 +3224,6 @@
               <a:rPr lang="zh-CN" altLang="en-US"/>
               <a:t>三级</a:t>
             </a:r>
-            <a:endParaRPr lang="zh-CN" altLang="en-US"/>
           </a:p>
           <a:p>
             <a:pPr lvl="3"/>
@@ -3263,7 +3231,6 @@
               <a:rPr lang="zh-CN" altLang="en-US"/>
               <a:t>四级</a:t>
             </a:r>
-            <a:endParaRPr lang="zh-CN" altLang="en-US"/>
           </a:p>
           <a:p>
             <a:pPr lvl="4"/>
@@ -3271,7 +3238,6 @@
               <a:rPr lang="zh-CN" altLang="en-US"/>
               <a:t>五级</a:t>
             </a:r>
-            <a:endParaRPr lang="zh-CN" altLang="en-US"/>
           </a:p>
         </p:txBody>
       </p:sp>
@@ -3292,6 +3258,7 @@
           <a:p>
             <a:fld id="{5131DBC6-E882-4DDB-8601-6A7E3A6D18DF}" type="datetimeFigureOut">
               <a:rPr lang="zh-CN" altLang="en-US" smtClean="0"/>
+              <a:t>2024/12/3</a:t>
             </a:fld>
             <a:endParaRPr lang="zh-CN" altLang="en-US"/>
           </a:p>
@@ -3333,6 +3300,7 @@
           <a:p>
             <a:fld id="{625A359B-38A8-4FD8-9812-5A069998D20F}" type="slidenum">
               <a:rPr lang="zh-CN" altLang="en-US" smtClean="0"/>
+              <a:t>‹#›</a:t>
             </a:fld>
             <a:endParaRPr lang="zh-CN" altLang="en-US"/>
           </a:p>
@@ -3391,7 +3359,6 @@
               <a:rPr lang="zh-CN" altLang="en-US"/>
               <a:t>单击此处编辑母版标题样式</a:t>
             </a:r>
-            <a:endParaRPr lang="zh-CN" altLang="en-US"/>
           </a:p>
         </p:txBody>
       </p:sp>
@@ -3518,7 +3485,6 @@
               <a:rPr lang="zh-CN" altLang="en-US"/>
               <a:t>单击此处编辑母版文本样式</a:t>
             </a:r>
-            <a:endParaRPr lang="zh-CN" altLang="en-US"/>
           </a:p>
         </p:txBody>
       </p:sp>
@@ -3539,6 +3505,7 @@
           <a:p>
             <a:fld id="{5131DBC6-E882-4DDB-8601-6A7E3A6D18DF}" type="datetimeFigureOut">
               <a:rPr lang="zh-CN" altLang="en-US" smtClean="0"/>
+              <a:t>2024/12/3</a:t>
             </a:fld>
             <a:endParaRPr lang="zh-CN" altLang="en-US"/>
           </a:p>
@@ -3580,6 +3547,7 @@
           <a:p>
             <a:fld id="{625A359B-38A8-4FD8-9812-5A069998D20F}" type="slidenum">
               <a:rPr lang="zh-CN" altLang="en-US" smtClean="0"/>
+              <a:t>‹#›</a:t>
             </a:fld>
             <a:endParaRPr lang="zh-CN" altLang="en-US"/>
           </a:p>
@@ -3629,7 +3597,6 @@
               <a:rPr lang="zh-CN" altLang="en-US"/>
               <a:t>单击此处编辑母版标题样式</a:t>
             </a:r>
-            <a:endParaRPr lang="zh-CN" altLang="en-US"/>
           </a:p>
         </p:txBody>
       </p:sp>
@@ -3653,7 +3620,6 @@
               <a:rPr lang="zh-CN" altLang="en-US"/>
               <a:t>单击此处编辑母版文本样式</a:t>
             </a:r>
-            <a:endParaRPr lang="zh-CN" altLang="en-US"/>
           </a:p>
           <a:p>
             <a:pPr lvl="1"/>
@@ -3661,7 +3627,6 @@
               <a:rPr lang="zh-CN" altLang="en-US"/>
               <a:t>二级</a:t>
             </a:r>
-            <a:endParaRPr lang="zh-CN" altLang="en-US"/>
           </a:p>
           <a:p>
             <a:pPr lvl="2"/>
@@ -3669,7 +3634,6 @@
               <a:rPr lang="zh-CN" altLang="en-US"/>
               <a:t>三级</a:t>
             </a:r>
-            <a:endParaRPr lang="zh-CN" altLang="en-US"/>
           </a:p>
           <a:p>
             <a:pPr lvl="3"/>
@@ -3677,7 +3641,6 @@
               <a:rPr lang="zh-CN" altLang="en-US"/>
               <a:t>四级</a:t>
             </a:r>
-            <a:endParaRPr lang="zh-CN" altLang="en-US"/>
           </a:p>
           <a:p>
             <a:pPr lvl="4"/>
@@ -3685,7 +3648,6 @@
               <a:rPr lang="zh-CN" altLang="en-US"/>
               <a:t>五级</a:t>
             </a:r>
-            <a:endParaRPr lang="zh-CN" altLang="en-US"/>
           </a:p>
         </p:txBody>
       </p:sp>
@@ -3706,6 +3668,7 @@
           <a:p>
             <a:fld id="{5131DBC6-E882-4DDB-8601-6A7E3A6D18DF}" type="datetimeFigureOut">
               <a:rPr lang="zh-CN" altLang="en-US" smtClean="0"/>
+              <a:t>2024/12/3</a:t>
             </a:fld>
             <a:endParaRPr lang="zh-CN" altLang="en-US"/>
           </a:p>
@@ -3747,6 +3710,7 @@
           <a:p>
             <a:fld id="{625A359B-38A8-4FD8-9812-5A069998D20F}" type="slidenum">
               <a:rPr lang="zh-CN" altLang="en-US" smtClean="0"/>
+              <a:t>‹#›</a:t>
             </a:fld>
             <a:endParaRPr lang="zh-CN" altLang="en-US"/>
           </a:p>
@@ -3801,7 +3765,6 @@
               <a:rPr lang="zh-CN" altLang="en-US"/>
               <a:t>单击此处编辑母版标题样式</a:t>
             </a:r>
-            <a:endParaRPr lang="zh-CN" altLang="en-US"/>
           </a:p>
         </p:txBody>
       </p:sp>
@@ -3830,7 +3793,6 @@
               <a:rPr lang="zh-CN" altLang="en-US"/>
               <a:t>单击此处编辑母版文本样式</a:t>
             </a:r>
-            <a:endParaRPr lang="zh-CN" altLang="en-US"/>
           </a:p>
           <a:p>
             <a:pPr lvl="1"/>
@@ -3838,7 +3800,6 @@
               <a:rPr lang="zh-CN" altLang="en-US"/>
               <a:t>二级</a:t>
             </a:r>
-            <a:endParaRPr lang="zh-CN" altLang="en-US"/>
           </a:p>
           <a:p>
             <a:pPr lvl="2"/>
@@ -3846,7 +3807,6 @@
               <a:rPr lang="zh-CN" altLang="en-US"/>
               <a:t>三级</a:t>
             </a:r>
-            <a:endParaRPr lang="zh-CN" altLang="en-US"/>
           </a:p>
           <a:p>
             <a:pPr lvl="3"/>
@@ -3854,7 +3814,6 @@
               <a:rPr lang="zh-CN" altLang="en-US"/>
               <a:t>四级</a:t>
             </a:r>
-            <a:endParaRPr lang="zh-CN" altLang="en-US"/>
           </a:p>
           <a:p>
             <a:pPr lvl="4"/>
@@ -3862,7 +3821,6 @@
               <a:rPr lang="zh-CN" altLang="en-US"/>
               <a:t>五级</a:t>
             </a:r>
-            <a:endParaRPr lang="zh-CN" altLang="en-US"/>
           </a:p>
         </p:txBody>
       </p:sp>
@@ -3883,6 +3841,7 @@
           <a:p>
             <a:fld id="{5131DBC6-E882-4DDB-8601-6A7E3A6D18DF}" type="datetimeFigureOut">
               <a:rPr lang="zh-CN" altLang="en-US" smtClean="0"/>
+              <a:t>2024/12/3</a:t>
             </a:fld>
             <a:endParaRPr lang="zh-CN" altLang="en-US"/>
           </a:p>
@@ -3924,6 +3883,7 @@
           <a:p>
             <a:fld id="{625A359B-38A8-4FD8-9812-5A069998D20F}" type="slidenum">
               <a:rPr lang="zh-CN" altLang="en-US" smtClean="0"/>
+              <a:t>‹#›</a:t>
             </a:fld>
             <a:endParaRPr lang="zh-CN" altLang="en-US"/>
           </a:p>
@@ -3982,7 +3942,6 @@
               <a:rPr lang="zh-CN" altLang="en-US"/>
               <a:t>单击此处编辑母版标题样式</a:t>
             </a:r>
-            <a:endParaRPr lang="zh-CN" altLang="en-US"/>
           </a:p>
         </p:txBody>
       </p:sp>
@@ -4102,7 +4061,6 @@
               <a:rPr lang="zh-CN" altLang="en-US"/>
               <a:t>单击此处编辑母版文本样式</a:t>
             </a:r>
-            <a:endParaRPr lang="zh-CN" altLang="en-US"/>
           </a:p>
         </p:txBody>
       </p:sp>
@@ -4123,6 +4081,7 @@
           <a:p>
             <a:fld id="{5131DBC6-E882-4DDB-8601-6A7E3A6D18DF}" type="datetimeFigureOut">
               <a:rPr lang="zh-CN" altLang="en-US" smtClean="0"/>
+              <a:t>2024/12/3</a:t>
             </a:fld>
             <a:endParaRPr lang="zh-CN" altLang="en-US"/>
           </a:p>
@@ -4164,6 +4123,7 @@
           <a:p>
             <a:fld id="{625A359B-38A8-4FD8-9812-5A069998D20F}" type="slidenum">
               <a:rPr lang="zh-CN" altLang="en-US" smtClean="0"/>
+              <a:t>‹#›</a:t>
             </a:fld>
             <a:endParaRPr lang="zh-CN" altLang="en-US"/>
           </a:p>
@@ -4213,7 +4173,6 @@
               <a:rPr lang="zh-CN" altLang="en-US"/>
               <a:t>单击此处编辑母版标题样式</a:t>
             </a:r>
-            <a:endParaRPr lang="zh-CN" altLang="en-US"/>
           </a:p>
         </p:txBody>
       </p:sp>
@@ -4242,7 +4201,6 @@
               <a:rPr lang="zh-CN" altLang="en-US"/>
               <a:t>单击此处编辑母版文本样式</a:t>
             </a:r>
-            <a:endParaRPr lang="zh-CN" altLang="en-US"/>
           </a:p>
           <a:p>
             <a:pPr lvl="1"/>
@@ -4250,7 +4208,6 @@
               <a:rPr lang="zh-CN" altLang="en-US"/>
               <a:t>二级</a:t>
             </a:r>
-            <a:endParaRPr lang="zh-CN" altLang="en-US"/>
           </a:p>
           <a:p>
             <a:pPr lvl="2"/>
@@ -4258,7 +4215,6 @@
               <a:rPr lang="zh-CN" altLang="en-US"/>
               <a:t>三级</a:t>
             </a:r>
-            <a:endParaRPr lang="zh-CN" altLang="en-US"/>
           </a:p>
           <a:p>
             <a:pPr lvl="3"/>
@@ -4266,7 +4222,6 @@
               <a:rPr lang="zh-CN" altLang="en-US"/>
               <a:t>四级</a:t>
             </a:r>
-            <a:endParaRPr lang="zh-CN" altLang="en-US"/>
           </a:p>
           <a:p>
             <a:pPr lvl="4"/>
@@ -4274,7 +4229,6 @@
               <a:rPr lang="zh-CN" altLang="en-US"/>
               <a:t>五级</a:t>
             </a:r>
-            <a:endParaRPr lang="zh-CN" altLang="en-US"/>
           </a:p>
         </p:txBody>
       </p:sp>
@@ -4303,7 +4257,6 @@
               <a:rPr lang="zh-CN" altLang="en-US"/>
               <a:t>单击此处编辑母版文本样式</a:t>
             </a:r>
-            <a:endParaRPr lang="zh-CN" altLang="en-US"/>
           </a:p>
           <a:p>
             <a:pPr lvl="1"/>
@@ -4311,7 +4264,6 @@
               <a:rPr lang="zh-CN" altLang="en-US"/>
               <a:t>二级</a:t>
             </a:r>
-            <a:endParaRPr lang="zh-CN" altLang="en-US"/>
           </a:p>
           <a:p>
             <a:pPr lvl="2"/>
@@ -4319,7 +4271,6 @@
               <a:rPr lang="zh-CN" altLang="en-US"/>
               <a:t>三级</a:t>
             </a:r>
-            <a:endParaRPr lang="zh-CN" altLang="en-US"/>
           </a:p>
           <a:p>
             <a:pPr lvl="3"/>
@@ -4327,7 +4278,6 @@
               <a:rPr lang="zh-CN" altLang="en-US"/>
               <a:t>四级</a:t>
             </a:r>
-            <a:endParaRPr lang="zh-CN" altLang="en-US"/>
           </a:p>
           <a:p>
             <a:pPr lvl="4"/>
@@ -4335,7 +4285,6 @@
               <a:rPr lang="zh-CN" altLang="en-US"/>
               <a:t>五级</a:t>
             </a:r>
-            <a:endParaRPr lang="zh-CN" altLang="en-US"/>
           </a:p>
         </p:txBody>
       </p:sp>
@@ -4356,6 +4305,7 @@
           <a:p>
             <a:fld id="{5131DBC6-E882-4DDB-8601-6A7E3A6D18DF}" type="datetimeFigureOut">
               <a:rPr lang="zh-CN" altLang="en-US" smtClean="0"/>
+              <a:t>2024/12/3</a:t>
             </a:fld>
             <a:endParaRPr lang="zh-CN" altLang="en-US"/>
           </a:p>
@@ -4397,6 +4347,7 @@
           <a:p>
             <a:fld id="{625A359B-38A8-4FD8-9812-5A069998D20F}" type="slidenum">
               <a:rPr lang="zh-CN" altLang="en-US" smtClean="0"/>
+              <a:t>‹#›</a:t>
             </a:fld>
             <a:endParaRPr lang="zh-CN" altLang="en-US"/>
           </a:p>
@@ -4451,7 +4402,6 @@
               <a:rPr lang="zh-CN" altLang="en-US"/>
               <a:t>单击此处编辑母版标题样式</a:t>
             </a:r>
-            <a:endParaRPr lang="zh-CN" altLang="en-US"/>
           </a:p>
         </p:txBody>
       </p:sp>
@@ -4517,7 +4467,6 @@
               <a:rPr lang="zh-CN" altLang="en-US"/>
               <a:t>单击此处编辑母版文本样式</a:t>
             </a:r>
-            <a:endParaRPr lang="zh-CN" altLang="en-US"/>
           </a:p>
         </p:txBody>
       </p:sp>
@@ -4546,7 +4495,6 @@
               <a:rPr lang="zh-CN" altLang="en-US"/>
               <a:t>单击此处编辑母版文本样式</a:t>
             </a:r>
-            <a:endParaRPr lang="zh-CN" altLang="en-US"/>
           </a:p>
           <a:p>
             <a:pPr lvl="1"/>
@@ -4554,7 +4502,6 @@
               <a:rPr lang="zh-CN" altLang="en-US"/>
               <a:t>二级</a:t>
             </a:r>
-            <a:endParaRPr lang="zh-CN" altLang="en-US"/>
           </a:p>
           <a:p>
             <a:pPr lvl="2"/>
@@ -4562,7 +4509,6 @@
               <a:rPr lang="zh-CN" altLang="en-US"/>
               <a:t>三级</a:t>
             </a:r>
-            <a:endParaRPr lang="zh-CN" altLang="en-US"/>
           </a:p>
           <a:p>
             <a:pPr lvl="3"/>
@@ -4570,7 +4516,6 @@
               <a:rPr lang="zh-CN" altLang="en-US"/>
               <a:t>四级</a:t>
             </a:r>
-            <a:endParaRPr lang="zh-CN" altLang="en-US"/>
           </a:p>
           <a:p>
             <a:pPr lvl="4"/>
@@ -4578,7 +4523,6 @@
               <a:rPr lang="zh-CN" altLang="en-US"/>
               <a:t>五级</a:t>
             </a:r>
-            <a:endParaRPr lang="zh-CN" altLang="en-US"/>
           </a:p>
         </p:txBody>
       </p:sp>
@@ -4644,7 +4588,6 @@
               <a:rPr lang="zh-CN" altLang="en-US"/>
               <a:t>单击此处编辑母版文本样式</a:t>
             </a:r>
-            <a:endParaRPr lang="zh-CN" altLang="en-US"/>
           </a:p>
         </p:txBody>
       </p:sp>
@@ -4673,7 +4616,6 @@
               <a:rPr lang="zh-CN" altLang="en-US"/>
               <a:t>单击此处编辑母版文本样式</a:t>
             </a:r>
-            <a:endParaRPr lang="zh-CN" altLang="en-US"/>
           </a:p>
           <a:p>
             <a:pPr lvl="1"/>
@@ -4681,7 +4623,6 @@
               <a:rPr lang="zh-CN" altLang="en-US"/>
               <a:t>二级</a:t>
             </a:r>
-            <a:endParaRPr lang="zh-CN" altLang="en-US"/>
           </a:p>
           <a:p>
             <a:pPr lvl="2"/>
@@ -4689,7 +4630,6 @@
               <a:rPr lang="zh-CN" altLang="en-US"/>
               <a:t>三级</a:t>
             </a:r>
-            <a:endParaRPr lang="zh-CN" altLang="en-US"/>
           </a:p>
           <a:p>
             <a:pPr lvl="3"/>
@@ -4697,7 +4637,6 @@
               <a:rPr lang="zh-CN" altLang="en-US"/>
               <a:t>四级</a:t>
             </a:r>
-            <a:endParaRPr lang="zh-CN" altLang="en-US"/>
           </a:p>
           <a:p>
             <a:pPr lvl="4"/>
@@ -4705,7 +4644,6 @@
               <a:rPr lang="zh-CN" altLang="en-US"/>
               <a:t>五级</a:t>
             </a:r>
-            <a:endParaRPr lang="zh-CN" altLang="en-US"/>
           </a:p>
         </p:txBody>
       </p:sp>
@@ -4726,6 +4664,7 @@
           <a:p>
             <a:fld id="{5131DBC6-E882-4DDB-8601-6A7E3A6D18DF}" type="datetimeFigureOut">
               <a:rPr lang="zh-CN" altLang="en-US" smtClean="0"/>
+              <a:t>2024/12/3</a:t>
             </a:fld>
             <a:endParaRPr lang="zh-CN" altLang="en-US"/>
           </a:p>
@@ -4767,6 +4706,7 @@
           <a:p>
             <a:fld id="{625A359B-38A8-4FD8-9812-5A069998D20F}" type="slidenum">
               <a:rPr lang="zh-CN" altLang="en-US" smtClean="0"/>
+              <a:t>‹#›</a:t>
             </a:fld>
             <a:endParaRPr lang="zh-CN" altLang="en-US"/>
           </a:p>
@@ -4816,7 +4756,6 @@
               <a:rPr lang="zh-CN" altLang="en-US"/>
               <a:t>单击此处编辑母版标题样式</a:t>
             </a:r>
-            <a:endParaRPr lang="zh-CN" altLang="en-US"/>
           </a:p>
         </p:txBody>
       </p:sp>
@@ -4837,6 +4776,7 @@
           <a:p>
             <a:fld id="{5131DBC6-E882-4DDB-8601-6A7E3A6D18DF}" type="datetimeFigureOut">
               <a:rPr lang="zh-CN" altLang="en-US" smtClean="0"/>
+              <a:t>2024/12/3</a:t>
             </a:fld>
             <a:endParaRPr lang="zh-CN" altLang="en-US"/>
           </a:p>
@@ -4878,6 +4818,7 @@
           <a:p>
             <a:fld id="{625A359B-38A8-4FD8-9812-5A069998D20F}" type="slidenum">
               <a:rPr lang="zh-CN" altLang="en-US" smtClean="0"/>
+              <a:t>‹#›</a:t>
             </a:fld>
             <a:endParaRPr lang="zh-CN" altLang="en-US"/>
           </a:p>
@@ -4925,6 +4866,7 @@
           <a:p>
             <a:fld id="{5131DBC6-E882-4DDB-8601-6A7E3A6D18DF}" type="datetimeFigureOut">
               <a:rPr lang="zh-CN" altLang="en-US" smtClean="0"/>
+              <a:t>2024/12/3</a:t>
             </a:fld>
             <a:endParaRPr lang="zh-CN" altLang="en-US"/>
           </a:p>
@@ -4966,6 +4908,7 @@
           <a:p>
             <a:fld id="{625A359B-38A8-4FD8-9812-5A069998D20F}" type="slidenum">
               <a:rPr lang="zh-CN" altLang="en-US" smtClean="0"/>
+              <a:t>‹#›</a:t>
             </a:fld>
             <a:endParaRPr lang="zh-CN" altLang="en-US"/>
           </a:p>
@@ -5024,7 +4967,6 @@
               <a:rPr lang="zh-CN" altLang="en-US"/>
               <a:t>单击此处编辑母版标题样式</a:t>
             </a:r>
-            <a:endParaRPr lang="zh-CN" altLang="en-US"/>
           </a:p>
         </p:txBody>
       </p:sp>
@@ -5081,7 +5023,6 @@
               <a:rPr lang="zh-CN" altLang="en-US"/>
               <a:t>单击此处编辑母版文本样式</a:t>
             </a:r>
-            <a:endParaRPr lang="zh-CN" altLang="en-US"/>
           </a:p>
           <a:p>
             <a:pPr lvl="1"/>
@@ -5089,7 +5030,6 @@
               <a:rPr lang="zh-CN" altLang="en-US"/>
               <a:t>二级</a:t>
             </a:r>
-            <a:endParaRPr lang="zh-CN" altLang="en-US"/>
           </a:p>
           <a:p>
             <a:pPr lvl="2"/>
@@ -5097,7 +5037,6 @@
               <a:rPr lang="zh-CN" altLang="en-US"/>
               <a:t>三级</a:t>
             </a:r>
-            <a:endParaRPr lang="zh-CN" altLang="en-US"/>
           </a:p>
           <a:p>
             <a:pPr lvl="3"/>
@@ -5105,7 +5044,6 @@
               <a:rPr lang="zh-CN" altLang="en-US"/>
               <a:t>四级</a:t>
             </a:r>
-            <a:endParaRPr lang="zh-CN" altLang="en-US"/>
           </a:p>
           <a:p>
             <a:pPr lvl="4"/>
@@ -5113,7 +5051,6 @@
               <a:rPr lang="zh-CN" altLang="en-US"/>
               <a:t>五级</a:t>
             </a:r>
-            <a:endParaRPr lang="zh-CN" altLang="en-US"/>
           </a:p>
         </p:txBody>
       </p:sp>
@@ -5179,7 +5116,6 @@
               <a:rPr lang="zh-CN" altLang="en-US"/>
               <a:t>单击此处编辑母版文本样式</a:t>
             </a:r>
-            <a:endParaRPr lang="zh-CN" altLang="en-US"/>
           </a:p>
         </p:txBody>
       </p:sp>
@@ -5200,6 +5136,7 @@
           <a:p>
             <a:fld id="{5131DBC6-E882-4DDB-8601-6A7E3A6D18DF}" type="datetimeFigureOut">
               <a:rPr lang="zh-CN" altLang="en-US" smtClean="0"/>
+              <a:t>2024/12/3</a:t>
             </a:fld>
             <a:endParaRPr lang="zh-CN" altLang="en-US"/>
           </a:p>
@@ -5241,6 +5178,7 @@
           <a:p>
             <a:fld id="{625A359B-38A8-4FD8-9812-5A069998D20F}" type="slidenum">
               <a:rPr lang="zh-CN" altLang="en-US" smtClean="0"/>
+              <a:t>‹#›</a:t>
             </a:fld>
             <a:endParaRPr lang="zh-CN" altLang="en-US"/>
           </a:p>
@@ -5299,7 +5237,6 @@
               <a:rPr lang="zh-CN" altLang="en-US"/>
               <a:t>单击此处编辑母版标题样式</a:t>
             </a:r>
-            <a:endParaRPr lang="zh-CN" altLang="en-US"/>
           </a:p>
         </p:txBody>
       </p:sp>
@@ -5426,7 +5363,6 @@
               <a:rPr lang="zh-CN" altLang="en-US"/>
               <a:t>单击此处编辑母版文本样式</a:t>
             </a:r>
-            <a:endParaRPr lang="zh-CN" altLang="en-US"/>
           </a:p>
         </p:txBody>
       </p:sp>
@@ -5447,6 +5383,7 @@
           <a:p>
             <a:fld id="{5131DBC6-E882-4DDB-8601-6A7E3A6D18DF}" type="datetimeFigureOut">
               <a:rPr lang="zh-CN" altLang="en-US" smtClean="0"/>
+              <a:t>2024/12/3</a:t>
             </a:fld>
             <a:endParaRPr lang="zh-CN" altLang="en-US"/>
           </a:p>
@@ -5488,6 +5425,7 @@
           <a:p>
             <a:fld id="{625A359B-38A8-4FD8-9812-5A069998D20F}" type="slidenum">
               <a:rPr lang="zh-CN" altLang="en-US" smtClean="0"/>
+              <a:t>‹#›</a:t>
             </a:fld>
             <a:endParaRPr lang="zh-CN" altLang="en-US"/>
           </a:p>
@@ -5552,7 +5490,6 @@
               <a:rPr lang="zh-CN" altLang="en-US"/>
               <a:t>单击此处编辑母版标题样式</a:t>
             </a:r>
-            <a:endParaRPr lang="zh-CN" altLang="en-US"/>
           </a:p>
         </p:txBody>
       </p:sp>
@@ -5586,7 +5523,6 @@
               <a:rPr lang="zh-CN" altLang="en-US"/>
               <a:t>单击此处编辑母版文本样式</a:t>
             </a:r>
-            <a:endParaRPr lang="zh-CN" altLang="en-US"/>
           </a:p>
           <a:p>
             <a:pPr lvl="1"/>
@@ -5594,7 +5530,6 @@
               <a:rPr lang="zh-CN" altLang="en-US"/>
               <a:t>二级</a:t>
             </a:r>
-            <a:endParaRPr lang="zh-CN" altLang="en-US"/>
           </a:p>
           <a:p>
             <a:pPr lvl="2"/>
@@ -5602,7 +5537,6 @@
               <a:rPr lang="zh-CN" altLang="en-US"/>
               <a:t>三级</a:t>
             </a:r>
-            <a:endParaRPr lang="zh-CN" altLang="en-US"/>
           </a:p>
           <a:p>
             <a:pPr lvl="3"/>
@@ -5610,7 +5544,6 @@
               <a:rPr lang="zh-CN" altLang="en-US"/>
               <a:t>四级</a:t>
             </a:r>
-            <a:endParaRPr lang="zh-CN" altLang="en-US"/>
           </a:p>
           <a:p>
             <a:pPr lvl="4"/>
@@ -5618,7 +5551,6 @@
               <a:rPr lang="zh-CN" altLang="en-US"/>
               <a:t>五级</a:t>
             </a:r>
-            <a:endParaRPr lang="zh-CN" altLang="en-US"/>
           </a:p>
         </p:txBody>
       </p:sp>
@@ -5657,6 +5589,7 @@
           <a:p>
             <a:fld id="{5131DBC6-E882-4DDB-8601-6A7E3A6D18DF}" type="datetimeFigureOut">
               <a:rPr lang="zh-CN" altLang="en-US" smtClean="0"/>
+              <a:t>2024/12/3</a:t>
             </a:fld>
             <a:endParaRPr lang="zh-CN" altLang="en-US"/>
           </a:p>
@@ -5734,6 +5667,7 @@
           <a:p>
             <a:fld id="{625A359B-38A8-4FD8-9812-5A069998D20F}" type="slidenum">
               <a:rPr lang="zh-CN" altLang="en-US" smtClean="0"/>
+              <a:t>‹#›</a:t>
             </a:fld>
             <a:endParaRPr lang="zh-CN" altLang="en-US"/>
           </a:p>
@@ -6089,7 +6023,6 @@
               <a:rPr lang="zh-CN" altLang="en-US"/>
               <a:t>单击此处编辑母版标题样式</a:t>
             </a:r>
-            <a:endParaRPr lang="zh-CN" altLang="en-US"/>
           </a:p>
         </p:txBody>
       </p:sp>
@@ -6123,7 +6056,6 @@
               <a:rPr lang="zh-CN" altLang="en-US"/>
               <a:t>单击此处编辑母版文本样式</a:t>
             </a:r>
-            <a:endParaRPr lang="zh-CN" altLang="en-US"/>
           </a:p>
           <a:p>
             <a:pPr lvl="1"/>
@@ -6131,7 +6063,6 @@
               <a:rPr lang="zh-CN" altLang="en-US"/>
               <a:t>二级</a:t>
             </a:r>
-            <a:endParaRPr lang="zh-CN" altLang="en-US"/>
           </a:p>
           <a:p>
             <a:pPr lvl="2"/>
@@ -6139,7 +6070,6 @@
               <a:rPr lang="zh-CN" altLang="en-US"/>
               <a:t>三级</a:t>
             </a:r>
-            <a:endParaRPr lang="zh-CN" altLang="en-US"/>
           </a:p>
           <a:p>
             <a:pPr lvl="3"/>
@@ -6147,7 +6077,6 @@
               <a:rPr lang="zh-CN" altLang="en-US"/>
               <a:t>四级</a:t>
             </a:r>
-            <a:endParaRPr lang="zh-CN" altLang="en-US"/>
           </a:p>
           <a:p>
             <a:pPr lvl="4"/>
@@ -6155,7 +6084,6 @@
               <a:rPr lang="zh-CN" altLang="en-US"/>
               <a:t>五级</a:t>
             </a:r>
-            <a:endParaRPr lang="zh-CN" altLang="en-US"/>
           </a:p>
         </p:txBody>
       </p:sp>
@@ -6194,6 +6122,7 @@
           <a:p>
             <a:fld id="{5131DBC6-E882-4DDB-8601-6A7E3A6D18DF}" type="datetimeFigureOut">
               <a:rPr lang="zh-CN" altLang="en-US" smtClean="0"/>
+              <a:t>2024/12/3</a:t>
             </a:fld>
             <a:endParaRPr lang="zh-CN" altLang="en-US"/>
           </a:p>
@@ -6271,6 +6200,7 @@
           <a:p>
             <a:fld id="{625A359B-38A8-4FD8-9812-5A069998D20F}" type="slidenum">
               <a:rPr lang="zh-CN" altLang="en-US" smtClean="0"/>
+              <a:t>‹#›</a:t>
             </a:fld>
             <a:endParaRPr lang="zh-CN" altLang="en-US"/>
           </a:p>
@@ -6600,8 +6530,8 @@
         </p:nvSpPr>
         <p:spPr>
           <a:xfrm>
-            <a:off x="3541420" y="4720602"/>
-            <a:ext cx="4452566" cy="460375"/>
+            <a:off x="1963881" y="4478148"/>
+            <a:ext cx="8264237" cy="461665"/>
           </a:xfrm>
           <a:prstGeom prst="rect">
             <a:avLst/>
@@ -6617,9 +6547,8 @@
             <a:pPr marL="914400" lvl="2" indent="457200"/>
             <a:r>
               <a:rPr lang="en-US" altLang="zh-CN" sz="2400" b="1" dirty="0"/>
-              <a:t>CVPR  2023</a:t>
-            </a:r>
-            <a:endParaRPr lang="en-US" altLang="zh-CN" sz="2400" b="1" dirty="0"/>
+              <a:t>IEEE Transactions on Industrial Informatics</a:t>
+            </a:r>
           </a:p>
         </p:txBody>
       </p:sp>
@@ -6632,7 +6561,7 @@
           <p:nvPr/>
         </p:nvPicPr>
         <p:blipFill>
-          <a:blip r:embed="rId1"/>
+          <a:blip r:embed="rId2"/>
           <a:stretch>
             <a:fillRect/>
           </a:stretch>
@@ -6681,54 +6610,6 @@
           <p:nvPr/>
         </p:nvPicPr>
         <p:blipFill>
-          <a:blip r:embed="rId1"/>
-          <a:stretch>
-            <a:fillRect/>
-          </a:stretch>
-        </p:blipFill>
-        <p:spPr>
-          <a:xfrm>
-            <a:off x="175260" y="932180"/>
-            <a:ext cx="4741545" cy="876300"/>
-          </a:xfrm>
-          <a:prstGeom prst="rect">
-            <a:avLst/>
-          </a:prstGeom>
-        </p:spPr>
-      </p:pic>
-      <p:pic>
-        <p:nvPicPr>
-          <p:cNvPr id="4" name="图片 3"/>
-          <p:cNvPicPr>
-            <a:picLocks noChangeAspect="1"/>
-          </p:cNvPicPr>
-          <p:nvPr/>
-        </p:nvPicPr>
-        <p:blipFill>
-          <a:blip r:embed="rId2"/>
-          <a:stretch>
-            <a:fillRect/>
-          </a:stretch>
-        </p:blipFill>
-        <p:spPr>
-          <a:xfrm>
-            <a:off x="299085" y="2473960"/>
-            <a:ext cx="4617720" cy="685800"/>
-          </a:xfrm>
-          <a:prstGeom prst="rect">
-            <a:avLst/>
-          </a:prstGeom>
-        </p:spPr>
-      </p:pic>
-      <p:pic>
-        <p:nvPicPr>
-          <p:cNvPr id="5" name="图片 4"/>
-          <p:cNvPicPr>
-            <a:picLocks noChangeAspect="1"/>
-          </p:cNvPicPr>
-          <p:nvPr/>
-        </p:nvPicPr>
-        <p:blipFill>
           <a:blip r:embed="rId3"/>
           <a:stretch>
             <a:fillRect/>
@@ -6736,50 +6617,17 @@
         </p:blipFill>
         <p:spPr>
           <a:xfrm>
-            <a:off x="520700" y="3588385"/>
-            <a:ext cx="502920" cy="297180"/>
+            <a:off x="175260" y="932180"/>
+            <a:ext cx="4741545" cy="876300"/>
           </a:xfrm>
           <a:prstGeom prst="rect">
             <a:avLst/>
           </a:prstGeom>
         </p:spPr>
       </p:pic>
-      <p:sp>
-        <p:nvSpPr>
-          <p:cNvPr id="7" name="文本框 6"/>
-          <p:cNvSpPr txBox="1"/>
-          <p:nvPr/>
-        </p:nvSpPr>
-        <p:spPr>
-          <a:xfrm>
-            <a:off x="1259840" y="3588385"/>
-            <a:ext cx="4064000" cy="368300"/>
-          </a:xfrm>
-          <a:prstGeom prst="rect">
-            <a:avLst/>
-          </a:prstGeom>
-          <a:noFill/>
-        </p:spPr>
-        <p:txBody>
-          <a:bodyPr wrap="square" rtlCol="0">
-            <a:spAutoFit/>
-          </a:bodyPr>
-          <a:p>
-            <a:r>
-              <a:rPr lang="zh-CN" altLang="en-US"/>
-              <a:t>正样本</a:t>
-            </a:r>
-            <a:r>
-              <a:rPr lang="zh-CN" altLang="en-US"/>
-              <a:t>区域</a:t>
-            </a:r>
-            <a:endParaRPr lang="zh-CN" altLang="en-US"/>
-          </a:p>
-        </p:txBody>
-      </p:sp>
       <p:pic>
         <p:nvPicPr>
-          <p:cNvPr id="9" name="图片 8"/>
+          <p:cNvPr id="4" name="图片 3"/>
           <p:cNvPicPr>
             <a:picLocks noChangeAspect="1"/>
           </p:cNvPicPr>
@@ -6793,23 +6641,47 @@
         </p:blipFill>
         <p:spPr>
           <a:xfrm>
-            <a:off x="482600" y="4314190"/>
-            <a:ext cx="541020" cy="274320"/>
+            <a:off x="299085" y="2473960"/>
+            <a:ext cx="4617720" cy="685800"/>
           </a:xfrm>
           <a:prstGeom prst="rect">
             <a:avLst/>
           </a:prstGeom>
         </p:spPr>
       </p:pic>
-      <p:sp>
-        <p:nvSpPr>
-          <p:cNvPr id="11" name="文本框 10"/>
+      <p:pic>
+        <p:nvPicPr>
+          <p:cNvPr id="5" name="图片 4"/>
+          <p:cNvPicPr>
+            <a:picLocks noChangeAspect="1"/>
+          </p:cNvPicPr>
+          <p:nvPr/>
+        </p:nvPicPr>
+        <p:blipFill>
+          <a:blip r:embed="rId5"/>
+          <a:stretch>
+            <a:fillRect/>
+          </a:stretch>
+        </p:blipFill>
+        <p:spPr>
+          <a:xfrm>
+            <a:off x="520700" y="3588385"/>
+            <a:ext cx="502920" cy="297180"/>
+          </a:xfrm>
+          <a:prstGeom prst="rect">
+            <a:avLst/>
+          </a:prstGeom>
+        </p:spPr>
+      </p:pic>
+      <p:sp>
+        <p:nvSpPr>
+          <p:cNvPr id="7" name="文本框 6"/>
           <p:cNvSpPr txBox="1"/>
           <p:nvPr/>
         </p:nvSpPr>
         <p:spPr>
           <a:xfrm>
-            <a:off x="1259840" y="4314190"/>
+            <a:off x="1259840" y="3588385"/>
             <a:ext cx="4064000" cy="368300"/>
           </a:xfrm>
           <a:prstGeom prst="rect">
@@ -6821,28 +6693,48 @@
           <a:bodyPr wrap="square" rtlCol="0">
             <a:spAutoFit/>
           </a:bodyPr>
-          <a:p>
-            <a:r>
-              <a:rPr lang="zh-CN" altLang="en-US"/>
-              <a:t>正常区域像素</a:t>
-            </a:r>
-            <a:r>
-              <a:rPr lang="zh-CN" altLang="en-US"/>
-              <a:t>总数</a:t>
-            </a:r>
-            <a:endParaRPr lang="zh-CN" altLang="en-US"/>
-          </a:p>
-        </p:txBody>
-      </p:sp>
-      <p:sp>
-        <p:nvSpPr>
-          <p:cNvPr id="12" name="文本框 11"/>
+          <a:lstStyle/>
+          <a:p>
+            <a:r>
+              <a:rPr lang="zh-CN" altLang="en-US"/>
+              <a:t>正样本区域</a:t>
+            </a:r>
+          </a:p>
+        </p:txBody>
+      </p:sp>
+      <p:pic>
+        <p:nvPicPr>
+          <p:cNvPr id="9" name="图片 8"/>
+          <p:cNvPicPr>
+            <a:picLocks noChangeAspect="1"/>
+          </p:cNvPicPr>
+          <p:nvPr/>
+        </p:nvPicPr>
+        <p:blipFill>
+          <a:blip r:embed="rId6"/>
+          <a:stretch>
+            <a:fillRect/>
+          </a:stretch>
+        </p:blipFill>
+        <p:spPr>
+          <a:xfrm>
+            <a:off x="482600" y="4314190"/>
+            <a:ext cx="541020" cy="274320"/>
+          </a:xfrm>
+          <a:prstGeom prst="rect">
+            <a:avLst/>
+          </a:prstGeom>
+        </p:spPr>
+      </p:pic>
+      <p:sp>
+        <p:nvSpPr>
+          <p:cNvPr id="11" name="文本框 10"/>
           <p:cNvSpPr txBox="1"/>
           <p:nvPr/>
         </p:nvSpPr>
         <p:spPr>
           <a:xfrm>
-            <a:off x="520700" y="4975225"/>
+            <a:off x="1259840" y="4314190"/>
             <a:ext cx="4064000" cy="368300"/>
           </a:xfrm>
           <a:prstGeom prst="rect">
@@ -6854,6 +6746,36 @@
           <a:bodyPr wrap="square" rtlCol="0">
             <a:spAutoFit/>
           </a:bodyPr>
+          <a:lstStyle/>
+          <a:p>
+            <a:r>
+              <a:rPr lang="zh-CN" altLang="en-US"/>
+              <a:t>正常区域像素总数</a:t>
+            </a:r>
+          </a:p>
+        </p:txBody>
+      </p:sp>
+      <p:sp>
+        <p:nvSpPr>
+          <p:cNvPr id="12" name="文本框 11"/>
+          <p:cNvSpPr txBox="1"/>
+          <p:nvPr/>
+        </p:nvSpPr>
+        <p:spPr>
+          <a:xfrm>
+            <a:off x="520700" y="4975225"/>
+            <a:ext cx="4064000" cy="368300"/>
+          </a:xfrm>
+          <a:prstGeom prst="rect">
+            <a:avLst/>
+          </a:prstGeom>
+          <a:noFill/>
+        </p:spPr>
+        <p:txBody>
+          <a:bodyPr wrap="square" rtlCol="0">
+            <a:spAutoFit/>
+          </a:bodyPr>
+          <a:lstStyle/>
           <a:p>
             <a:r>
               <a:rPr lang="en-US" altLang="zh-CN"/>
@@ -6863,7 +6785,6 @@
               <a:rPr lang="zh-CN" altLang="en-US"/>
               <a:t>特征向量</a:t>
             </a:r>
-            <a:endParaRPr lang="zh-CN" altLang="en-US"/>
           </a:p>
         </p:txBody>
       </p:sp>
@@ -6901,6 +6822,7 @@
         </p:style>
         <p:txBody>
           <a:bodyPr rtlCol="0" anchor="ctr"/>
+          <a:lstStyle/>
           <a:p>
             <a:pPr algn="ctr"/>
             <a:endParaRPr lang="zh-CN" altLang="en-US"/>
@@ -6938,6 +6860,7 @@
         </p:style>
         <p:txBody>
           <a:bodyPr rtlCol="0" anchor="ctr"/>
+          <a:lstStyle/>
           <a:p>
             <a:pPr algn="ctr"/>
             <a:endParaRPr lang="zh-CN" altLang="en-US"/>
@@ -6980,6 +6903,7 @@
         </p:style>
         <p:txBody>
           <a:bodyPr rtlCol="0" anchor="ctr"/>
+          <a:lstStyle/>
           <a:p>
             <a:pPr algn="ctr"/>
             <a:endParaRPr lang="zh-CN" altLang="en-US"/>
@@ -7006,12 +6930,12 @@
           <a:bodyPr wrap="square" rtlCol="0">
             <a:spAutoFit/>
           </a:bodyPr>
+          <a:lstStyle/>
           <a:p>
             <a:r>
               <a:rPr lang="en-US" altLang="zh-CN"/>
               <a:t>T</a:t>
             </a:r>
-            <a:endParaRPr lang="en-US" altLang="zh-CN"/>
           </a:p>
         </p:txBody>
       </p:sp>
@@ -7035,12 +6959,12 @@
           <a:bodyPr wrap="square" rtlCol="0">
             <a:spAutoFit/>
           </a:bodyPr>
+          <a:lstStyle/>
           <a:p>
             <a:r>
               <a:rPr lang="en-US" altLang="zh-CN"/>
               <a:t>S</a:t>
             </a:r>
-            <a:endParaRPr lang="en-US" altLang="zh-CN"/>
           </a:p>
         </p:txBody>
       </p:sp>
@@ -7134,12 +7058,12 @@
           <a:bodyPr wrap="square" rtlCol="0">
             <a:spAutoFit/>
           </a:bodyPr>
+          <a:lstStyle/>
           <a:p>
             <a:r>
               <a:rPr lang="en-US" altLang="zh-CN"/>
               <a:t>cosine similarity  X</a:t>
             </a:r>
-            <a:endParaRPr lang="en-US" altLang="zh-CN"/>
           </a:p>
         </p:txBody>
       </p:sp>
@@ -7177,6 +7101,7 @@
         </p:style>
         <p:txBody>
           <a:bodyPr rtlCol="0" anchor="ctr"/>
+          <a:lstStyle/>
           <a:p>
             <a:pPr algn="ctr"/>
             <a:endParaRPr lang="zh-CN" altLang="en-US"/>
@@ -7219,6 +7144,7 @@
         </p:style>
         <p:txBody>
           <a:bodyPr rtlCol="0" anchor="ctr"/>
+          <a:lstStyle/>
           <a:p>
             <a:pPr algn="ctr"/>
             <a:endParaRPr lang="zh-CN" altLang="en-US"/>
@@ -7245,12 +7171,12 @@
           <a:bodyPr wrap="square" rtlCol="0">
             <a:spAutoFit/>
           </a:bodyPr>
+          <a:lstStyle/>
           <a:p>
             <a:r>
               <a:rPr lang="en-US" altLang="zh-CN"/>
               <a:t>          GT</a:t>
             </a:r>
-            <a:endParaRPr lang="en-US" altLang="zh-CN"/>
           </a:p>
         </p:txBody>
       </p:sp>
@@ -7288,6 +7214,7 @@
         </p:style>
         <p:txBody>
           <a:bodyPr rtlCol="0" anchor="ctr"/>
+          <a:lstStyle/>
           <a:p>
             <a:pPr algn="ctr"/>
             <a:endParaRPr lang="zh-CN" altLang="en-US"/>
@@ -7330,6 +7257,7 @@
         </p:style>
         <p:txBody>
           <a:bodyPr rtlCol="0" anchor="ctr"/>
+          <a:lstStyle/>
           <a:p>
             <a:pPr algn="ctr"/>
             <a:endParaRPr lang="zh-CN" altLang="en-US"/>
@@ -7370,7 +7298,7 @@
           <p:nvPr/>
         </p:nvPicPr>
         <p:blipFill>
-          <a:blip r:embed="rId1"/>
+          <a:blip r:embed="rId3"/>
           <a:stretch>
             <a:fillRect/>
           </a:stretch>
@@ -7405,6 +7333,7 @@
           <a:bodyPr wrap="square" rtlCol="0">
             <a:spAutoFit/>
           </a:bodyPr>
+          <a:lstStyle/>
           <a:p>
             <a:pPr indent="0">
               <a:lnSpc>
@@ -7431,7 +7360,6 @@
               <a:rPr b="1" dirty="0"/>
               <a:t>强引导下，分割头可以产生更具区分性的表示，从而更准确地定位异常</a:t>
             </a:r>
-            <a:endParaRPr b="1" dirty="0"/>
           </a:p>
           <a:p>
             <a:pPr marL="742950" lvl="1" indent="-285750">
@@ -7503,12 +7431,12 @@
           <a:bodyPr wrap="square" rtlCol="0">
             <a:spAutoFit/>
           </a:bodyPr>
+          <a:lstStyle/>
           <a:p>
             <a:r>
               <a:rPr lang="zh-CN" altLang="en-US" b="1"/>
               <a:t>差异引导</a:t>
             </a:r>
-            <a:endParaRPr lang="zh-CN" altLang="en-US" b="1"/>
           </a:p>
         </p:txBody>
       </p:sp>
@@ -7557,12 +7485,12 @@
           <a:bodyPr wrap="square" rtlCol="0">
             <a:spAutoFit/>
           </a:bodyPr>
+          <a:lstStyle/>
           <a:p>
             <a:r>
               <a:rPr lang="zh-CN" altLang="en-US"/>
               <a:t>辅助头</a:t>
             </a:r>
-            <a:endParaRPr lang="zh-CN" altLang="en-US"/>
           </a:p>
         </p:txBody>
       </p:sp>
@@ -7575,7 +7503,7 @@
           <p:nvPr/>
         </p:nvPicPr>
         <p:blipFill>
-          <a:blip r:embed="rId1"/>
+          <a:blip r:embed="rId3"/>
           <a:stretch>
             <a:fillRect/>
           </a:stretch>
@@ -7610,16 +7538,12 @@
           <a:bodyPr wrap="square" rtlCol="0">
             <a:spAutoFit/>
           </a:bodyPr>
-          <a:p>
-            <a:r>
-              <a:rPr lang="zh-CN" altLang="en-US"/>
-              <a:t>辅助头约束，提供分割头准确的</a:t>
-            </a:r>
-            <a:r>
-              <a:rPr lang="zh-CN" altLang="en-US"/>
-              <a:t>判别表示</a:t>
-            </a:r>
-            <a:endParaRPr lang="zh-CN" altLang="en-US"/>
+          <a:lstStyle/>
+          <a:p>
+            <a:r>
+              <a:rPr lang="zh-CN" altLang="en-US"/>
+              <a:t>辅助头约束，提供分割头准确的判别表示</a:t>
+            </a:r>
           </a:p>
         </p:txBody>
       </p:sp>
@@ -7657,7 +7581,7 @@
           <p:nvPr/>
         </p:nvPicPr>
         <p:blipFill>
-          <a:blip r:embed="rId1"/>
+          <a:blip r:embed="rId2"/>
           <a:stretch>
             <a:fillRect/>
           </a:stretch>
@@ -7692,6 +7616,7 @@
           <a:bodyPr wrap="square" rtlCol="0">
             <a:spAutoFit/>
           </a:bodyPr>
+          <a:lstStyle/>
           <a:p>
             <a:pPr marL="285750" indent="-285750">
               <a:lnSpc>
@@ -7706,13 +7631,8 @@
             </a:r>
             <a:r>
               <a:rPr lang="en-US" altLang="zh-CN" b="1" dirty="0"/>
-              <a:t>-MVT</a:t>
-            </a:r>
-            <a:r>
-              <a:rPr lang="en-US" altLang="zh-CN" b="1" dirty="0"/>
-              <a:t>ec</a:t>
-            </a:r>
-            <a:endParaRPr lang="en-US" altLang="zh-CN" b="1" dirty="0"/>
+              <a:t>-MVTec</a:t>
+            </a:r>
           </a:p>
         </p:txBody>
       </p:sp>
@@ -7762,6 +7682,7 @@
         </p:style>
         <p:txBody>
           <a:bodyPr rtlCol="0" anchor="ctr"/>
+          <a:lstStyle/>
           <a:p>
             <a:pPr algn="ctr"/>
             <a:endParaRPr lang="zh-CN" altLang="en-US"/>
@@ -7814,6 +7735,7 @@
         </p:style>
         <p:txBody>
           <a:bodyPr rtlCol="0" anchor="ctr"/>
+          <a:lstStyle/>
           <a:p>
             <a:pPr algn="ctr"/>
             <a:endParaRPr lang="en-US" altLang="zh-CN"/>
@@ -7866,6 +7788,7 @@
         </p:style>
         <p:txBody>
           <a:bodyPr rtlCol="0" anchor="ctr"/>
+          <a:lstStyle/>
           <a:p>
             <a:pPr algn="ctr"/>
             <a:endParaRPr lang="zh-CN" altLang="en-US"/>
@@ -7918,6 +7841,7 @@
         </p:style>
         <p:txBody>
           <a:bodyPr rtlCol="0" anchor="ctr"/>
+          <a:lstStyle/>
           <a:p>
             <a:pPr algn="ctr"/>
             <a:endParaRPr lang="zh-CN" altLang="en-US"/>
@@ -7969,6 +7893,7 @@
           <a:bodyPr wrap="square" rtlCol="0">
             <a:spAutoFit/>
           </a:bodyPr>
+          <a:lstStyle/>
           <a:p>
             <a:pPr marL="285750" indent="-285750">
               <a:lnSpc>
@@ -7985,7 +7910,6 @@
               <a:rPr lang="en-US" altLang="zh-CN" b="1" dirty="0"/>
               <a:t>-DAGM</a:t>
             </a:r>
-            <a:endParaRPr lang="en-US" altLang="zh-CN" b="1" dirty="0"/>
           </a:p>
         </p:txBody>
       </p:sp>
@@ -8035,6 +7959,7 @@
         </p:style>
         <p:txBody>
           <a:bodyPr rtlCol="0" anchor="ctr"/>
+          <a:lstStyle/>
           <a:p>
             <a:pPr algn="ctr"/>
             <a:endParaRPr lang="zh-CN" altLang="en-US"/>
@@ -8087,6 +8012,7 @@
         </p:style>
         <p:txBody>
           <a:bodyPr rtlCol="0" anchor="ctr"/>
+          <a:lstStyle/>
           <a:p>
             <a:pPr algn="ctr"/>
             <a:endParaRPr lang="en-US" altLang="zh-CN"/>
@@ -8139,6 +8065,7 @@
         </p:style>
         <p:txBody>
           <a:bodyPr rtlCol="0" anchor="ctr"/>
+          <a:lstStyle/>
           <a:p>
             <a:pPr algn="ctr"/>
             <a:endParaRPr lang="zh-CN" altLang="en-US"/>
@@ -8154,7 +8081,7 @@
           <p:nvPr/>
         </p:nvPicPr>
         <p:blipFill>
-          <a:blip r:embed="rId1"/>
+          <a:blip r:embed="rId2"/>
           <a:stretch>
             <a:fillRect/>
           </a:stretch>
@@ -8215,6 +8142,7 @@
         </p:style>
         <p:txBody>
           <a:bodyPr rtlCol="0" anchor="ctr"/>
+          <a:lstStyle/>
           <a:p>
             <a:pPr algn="ctr"/>
             <a:endParaRPr lang="zh-CN" altLang="en-US"/>
@@ -8267,6 +8195,7 @@
         </p:style>
         <p:txBody>
           <a:bodyPr rtlCol="0" anchor="ctr"/>
+          <a:lstStyle/>
           <a:p>
             <a:pPr algn="ctr"/>
             <a:endParaRPr lang="zh-CN" altLang="en-US"/>
@@ -8331,7 +8260,6 @@
               <a:rPr lang="zh-CN" altLang="en-US" b="1" dirty="0"/>
               <a:t>消融实验</a:t>
             </a:r>
-            <a:endParaRPr lang="zh-CN" altLang="en-US" b="1" dirty="0"/>
           </a:p>
         </p:txBody>
       </p:sp>
@@ -8344,7 +8272,7 @@
           <p:nvPr/>
         </p:nvPicPr>
         <p:blipFill>
-          <a:blip r:embed="rId1"/>
+          <a:blip r:embed="rId3"/>
           <a:stretch>
             <a:fillRect/>
           </a:stretch>
@@ -8405,6 +8333,7 @@
         </p:style>
         <p:txBody>
           <a:bodyPr rtlCol="0" anchor="ctr"/>
+          <a:lstStyle/>
           <a:p>
             <a:pPr algn="ctr"/>
             <a:endParaRPr lang="zh-CN" altLang="en-US"/>
@@ -8420,7 +8349,7 @@
           <p:nvPr/>
         </p:nvPicPr>
         <p:blipFill>
-          <a:blip r:embed="rId2"/>
+          <a:blip r:embed="rId4"/>
           <a:stretch>
             <a:fillRect/>
           </a:stretch>
@@ -8444,7 +8373,7 @@
           <p:nvPr/>
         </p:nvPicPr>
         <p:blipFill>
-          <a:blip r:embed="rId3"/>
+          <a:blip r:embed="rId5"/>
           <a:stretch>
             <a:fillRect/>
           </a:stretch>
@@ -8479,16 +8408,12 @@
           <a:bodyPr wrap="square" rtlCol="0">
             <a:spAutoFit/>
           </a:bodyPr>
-          <a:p>
-            <a:r>
-              <a:rPr lang="zh-CN" altLang="en-US"/>
-              <a:t>差异对分割的</a:t>
-            </a:r>
-            <a:r>
-              <a:rPr lang="zh-CN" altLang="en-US"/>
-              <a:t>影响</a:t>
-            </a:r>
-            <a:endParaRPr lang="zh-CN" altLang="en-US"/>
+          <a:lstStyle/>
+          <a:p>
+            <a:r>
+              <a:rPr lang="zh-CN" altLang="en-US"/>
+              <a:t>差异对分割的影响</a:t>
+            </a:r>
           </a:p>
         </p:txBody>
       </p:sp>
@@ -8511,6 +8436,7 @@
           <a:bodyPr>
             <a:spAutoFit/>
           </a:bodyPr>
+          <a:lstStyle/>
           <a:p>
             <a:pPr marL="0" indent="0"/>
             <a:r>
@@ -8653,13 +8579,6 @@
               </a:rPr>
               <a:t>上更加稳健</a:t>
             </a:r>
-            <a:endParaRPr lang="zh-CN" altLang="en-US" sz="1600" b="0" i="0">
-              <a:solidFill>
-                <a:srgbClr val="1D2129"/>
-              </a:solidFill>
-              <a:latin typeface="sans-serif"/>
-              <a:ea typeface="sans-serif"/>
-            </a:endParaRPr>
           </a:p>
         </p:txBody>
       </p:sp>
@@ -8672,7 +8591,7 @@
           <p:nvPr/>
         </p:nvPicPr>
         <p:blipFill>
-          <a:blip r:embed="rId4"/>
+          <a:blip r:embed="rId6"/>
           <a:stretch>
             <a:fillRect/>
           </a:stretch>
@@ -8704,7 +8623,14 @@
         <p:cNvGrpSpPr/>
         <p:nvPr/>
       </p:nvGrpSpPr>
-      <p:grpSpPr/>
+      <p:grpSpPr>
+        <a:xfrm>
+          <a:off x="0" y="0"/>
+          <a:ext cx="0" cy="0"/>
+          <a:chOff x="0" y="0"/>
+          <a:chExt cx="0" cy="0"/>
+        </a:xfrm>
+      </p:grpSpPr>
       <p:pic>
         <p:nvPicPr>
           <p:cNvPr id="4" name="图片 3"/>
@@ -8714,7 +8640,7 @@
           <p:nvPr/>
         </p:nvPicPr>
         <p:blipFill>
-          <a:blip r:embed="rId1"/>
+          <a:blip r:embed="rId2"/>
           <a:stretch>
             <a:fillRect/>
           </a:stretch>
@@ -8807,13 +8733,8 @@
             </a:pPr>
             <a:r>
               <a:rPr lang="zh-CN" altLang="en-US" b="1" dirty="0"/>
-              <a:t>很少有</a:t>
-            </a:r>
-            <a:r>
-              <a:rPr lang="zh-CN" altLang="en-US" b="1" dirty="0"/>
-              <a:t>人研究当前方法对不同合成策略的鲁棒性</a:t>
-            </a:r>
-            <a:endParaRPr lang="zh-CN" altLang="en-US" b="1" dirty="0"/>
+              <a:t>很少有人研究当前方法对不同合成策略的鲁棒性</a:t>
+            </a:r>
           </a:p>
           <a:p>
             <a:pPr marL="742950" lvl="1" indent="-285750">
@@ -8954,7 +8875,7 @@
           <p:nvPr/>
         </p:nvPicPr>
         <p:blipFill>
-          <a:blip r:embed="rId1"/>
+          <a:blip r:embed="rId2"/>
           <a:stretch>
             <a:fillRect/>
           </a:stretch>
@@ -8989,6 +8910,7 @@
           <a:bodyPr wrap="square" rtlCol="0">
             <a:noAutofit/>
           </a:bodyPr>
+          <a:lstStyle/>
           <a:p>
             <a:pPr marL="742950" lvl="2" indent="-285750" algn="l">
               <a:lnSpc>
@@ -9003,7 +8925,6 @@
               <a:rPr lang="zh-CN" altLang="en-US" b="1" dirty="0"/>
               <a:t>依赖于生成多样化和接近真实的异常图像，并且人们努力证明异常合成策略</a:t>
             </a:r>
-            <a:endParaRPr lang="zh-CN" altLang="en-US" b="1" dirty="0"/>
           </a:p>
           <a:p>
             <a:pPr marL="742950" lvl="2" indent="-285750" algn="l">
@@ -9027,7 +8948,6 @@
               <a:rPr lang="zh-CN" altLang="en-US" b="1" dirty="0"/>
               <a:t>）</a:t>
             </a:r>
-            <a:endParaRPr lang="zh-CN" altLang="en-US" b="1" dirty="0"/>
           </a:p>
           <a:p>
             <a:endParaRPr lang="zh-CN" altLang="en-US"/>
@@ -9144,6 +9064,7 @@
           <a:bodyPr wrap="square" rtlCol="0">
             <a:noAutofit/>
           </a:bodyPr>
+          <a:lstStyle/>
           <a:p>
             <a:pPr marL="742950" lvl="2" indent="-285750" algn="l">
               <a:lnSpc>
@@ -9158,7 +9079,6 @@
               <a:rPr lang="zh-CN" altLang="en-US"/>
               <a:t>DRÆM  使用 Perlin 噪声来生成不规则形状，模拟真实异常的形状</a:t>
             </a:r>
-            <a:endParaRPr lang="zh-CN" altLang="en-US"/>
           </a:p>
           <a:p>
             <a:pPr marL="742950" lvl="2" indent="-285750" algn="l">
@@ -9174,7 +9094,6 @@
               <a:rPr lang="zh-CN" altLang="en-US"/>
               <a:t>NSA集成了泊松图像编辑来消除异常模式的不连续边界，使异常更加自然。</a:t>
             </a:r>
-            <a:endParaRPr lang="zh-CN" altLang="en-US"/>
           </a:p>
         </p:txBody>
       </p:sp>
@@ -9187,7 +9106,7 @@
           <p:nvPr/>
         </p:nvPicPr>
         <p:blipFill>
-          <a:blip r:embed="rId1"/>
+          <a:blip r:embed="rId2"/>
           <a:stretch>
             <a:fillRect/>
           </a:stretch>
@@ -9222,6 +9141,7 @@
           <a:bodyPr wrap="square" rtlCol="0">
             <a:spAutoFit/>
           </a:bodyPr>
+          <a:lstStyle/>
           <a:p>
             <a:pPr marL="742950" lvl="2" indent="-285750" algn="l">
               <a:lnSpc>
@@ -9236,7 +9156,6 @@
               <a:rPr lang="zh-CN" altLang="en-US"/>
               <a:t>为一个数据集定制的合成策略可能不太适合另一个数据集</a:t>
             </a:r>
-            <a:endParaRPr lang="zh-CN" altLang="en-US"/>
           </a:p>
         </p:txBody>
       </p:sp>
@@ -9257,7 +9176,14 @@
         <p:cNvGrpSpPr/>
         <p:nvPr/>
       </p:nvGrpSpPr>
-      <p:grpSpPr/>
+      <p:grpSpPr>
+        <a:xfrm>
+          <a:off x="0" y="0"/>
+          <a:ext cx="0" cy="0"/>
+          <a:chOff x="0" y="0"/>
+          <a:chExt cx="0" cy="0"/>
+        </a:xfrm>
+      </p:grpSpPr>
       <p:pic>
         <p:nvPicPr>
           <p:cNvPr id="4" name="图片 3"/>
@@ -9267,7 +9193,7 @@
           <p:nvPr/>
         </p:nvPicPr>
         <p:blipFill>
-          <a:blip r:embed="rId1"/>
+          <a:blip r:embed="rId2"/>
           <a:stretch>
             <a:fillRect/>
           </a:stretch>
@@ -9330,6 +9256,7 @@
         </p:style>
         <p:txBody>
           <a:bodyPr rtlCol="0" anchor="ctr"/>
+          <a:lstStyle/>
           <a:p>
             <a:pPr algn="ctr"/>
             <a:endParaRPr lang="zh-CN" altLang="en-US"/>
@@ -9384,6 +9311,7 @@
         </p:style>
         <p:txBody>
           <a:bodyPr rtlCol="0" anchor="ctr"/>
+          <a:lstStyle/>
           <a:p>
             <a:pPr algn="ctr"/>
             <a:endParaRPr lang="zh-CN" altLang="en-US"/>
@@ -9500,6 +9428,7 @@
           <a:bodyPr wrap="square" rtlCol="0">
             <a:spAutoFit/>
           </a:bodyPr>
+          <a:lstStyle/>
           <a:p>
             <a:pPr marL="742950" lvl="2" indent="-285750" algn="l">
               <a:lnSpc>
@@ -9514,7 +9443,6 @@
               <a:rPr lang="zh-CN" altLang="en-US"/>
               <a:t>方法对不同的合成策略具有很高的敏感性</a:t>
             </a:r>
-            <a:endParaRPr lang="zh-CN" altLang="en-US"/>
           </a:p>
         </p:txBody>
       </p:sp>
@@ -9527,7 +9455,7 @@
           <p:nvPr/>
         </p:nvPicPr>
         <p:blipFill>
-          <a:blip r:embed="rId1"/>
+          <a:blip r:embed="rId2"/>
           <a:stretch>
             <a:fillRect/>
           </a:stretch>
@@ -9562,6 +9490,7 @@
           <a:bodyPr wrap="square" rtlCol="0">
             <a:noAutofit/>
           </a:bodyPr>
+          <a:lstStyle/>
           <a:p>
             <a:r>
               <a:rPr lang="zh-CN" altLang="en-US"/>
@@ -9579,7 +9508,6 @@
               <a:rPr lang="en-US" altLang="zh-CN"/>
               <a:t>   →</a:t>
             </a:r>
-            <a:endParaRPr lang="en-US" altLang="zh-CN"/>
           </a:p>
         </p:txBody>
       </p:sp>
@@ -9641,7 +9569,6 @@
               <a:rPr lang="en-US" altLang="zh-CN" b="1" dirty="0"/>
               <a:t>差异感知框架(DAF)</a:t>
             </a:r>
-            <a:endParaRPr lang="en-US" altLang="zh-CN" b="1" dirty="0"/>
           </a:p>
           <a:p>
             <a:pPr marL="285750" indent="-285750">
@@ -9665,7 +9592,6 @@
               <a:rPr b="1" dirty="0"/>
               <a:t>在各种现有的异常合成技术中始终如一地保持强大的性能</a:t>
             </a:r>
-            <a:endParaRPr b="1" dirty="0"/>
           </a:p>
           <a:p>
             <a:pPr marL="742950" lvl="1" indent="-285750">
@@ -9689,7 +9615,6 @@
               <a:rPr b="1" dirty="0"/>
               <a:t>从合成异常外观的约束中释放解码器</a:t>
             </a:r>
-            <a:endParaRPr b="1" dirty="0"/>
           </a:p>
           <a:p>
             <a:pPr marL="742950" lvl="1" indent="-285750">
@@ -9722,7 +9647,7 @@
           <p:nvPr/>
         </p:nvPicPr>
         <p:blipFill>
-          <a:blip r:embed="rId1"/>
+          <a:blip r:embed="rId2"/>
           <a:stretch>
             <a:fillRect/>
           </a:stretch>
@@ -9771,7 +9696,7 @@
           <p:nvPr/>
         </p:nvPicPr>
         <p:blipFill>
-          <a:blip r:embed="rId1"/>
+          <a:blip r:embed="rId3"/>
           <a:stretch>
             <a:fillRect/>
           </a:stretch>
@@ -9806,6 +9731,7 @@
           <a:bodyPr wrap="square" rtlCol="0">
             <a:noAutofit/>
           </a:bodyPr>
+          <a:lstStyle/>
           <a:p>
             <a:pPr marL="742950" lvl="1" indent="-285750" algn="l">
               <a:lnSpc>
@@ -9820,7 +9746,6 @@
               <a:rPr b="1" dirty="0"/>
               <a:t>增强异常表征-师生范式引入自监督框架</a:t>
             </a:r>
-            <a:endParaRPr b="1" dirty="0"/>
           </a:p>
           <a:p>
             <a:pPr marL="742950" lvl="1" indent="-285750" algn="l">
@@ -9852,7 +9777,6 @@
               <a:rPr lang="zh-CN" altLang="en-US"/>
               <a:t>。</a:t>
             </a:r>
-            <a:endParaRPr lang="zh-CN" altLang="en-US"/>
           </a:p>
           <a:p>
             <a:endParaRPr lang="zh-CN" altLang="en-US"/>
@@ -9896,54 +9820,6 @@
           <p:nvPr/>
         </p:nvPicPr>
         <p:blipFill>
-          <a:blip r:embed="rId1"/>
-          <a:stretch>
-            <a:fillRect/>
-          </a:stretch>
-        </p:blipFill>
-        <p:spPr>
-          <a:xfrm>
-            <a:off x="0" y="1120140"/>
-            <a:ext cx="5288280" cy="3695700"/>
-          </a:xfrm>
-          <a:prstGeom prst="rect">
-            <a:avLst/>
-          </a:prstGeom>
-        </p:spPr>
-      </p:pic>
-      <p:pic>
-        <p:nvPicPr>
-          <p:cNvPr id="3" name="图片 2"/>
-          <p:cNvPicPr>
-            <a:picLocks noChangeAspect="1"/>
-          </p:cNvPicPr>
-          <p:nvPr/>
-        </p:nvPicPr>
-        <p:blipFill>
-          <a:blip r:embed="rId2"/>
-          <a:stretch>
-            <a:fillRect/>
-          </a:stretch>
-        </p:blipFill>
-        <p:spPr>
-          <a:xfrm>
-            <a:off x="6191250" y="772795"/>
-            <a:ext cx="4741545" cy="876300"/>
-          </a:xfrm>
-          <a:prstGeom prst="rect">
-            <a:avLst/>
-          </a:prstGeom>
-        </p:spPr>
-      </p:pic>
-      <p:pic>
-        <p:nvPicPr>
-          <p:cNvPr id="4" name="图片 3"/>
-          <p:cNvPicPr>
-            <a:picLocks noChangeAspect="1"/>
-          </p:cNvPicPr>
-          <p:nvPr/>
-        </p:nvPicPr>
-        <p:blipFill>
           <a:blip r:embed="rId3"/>
           <a:stretch>
             <a:fillRect/>
@@ -9951,8 +9827,8 @@
         </p:blipFill>
         <p:spPr>
           <a:xfrm>
-            <a:off x="6315075" y="2314575"/>
-            <a:ext cx="4617720" cy="685800"/>
+            <a:off x="0" y="1120140"/>
+            <a:ext cx="5288280" cy="3695700"/>
           </a:xfrm>
           <a:prstGeom prst="rect">
             <a:avLst/>
@@ -9961,7 +9837,7 @@
       </p:pic>
       <p:pic>
         <p:nvPicPr>
-          <p:cNvPr id="5" name="图片 4"/>
+          <p:cNvPr id="3" name="图片 2"/>
           <p:cNvPicPr>
             <a:picLocks noChangeAspect="1"/>
           </p:cNvPicPr>
@@ -9975,50 +9851,17 @@
         </p:blipFill>
         <p:spPr>
           <a:xfrm>
-            <a:off x="6536690" y="3429000"/>
-            <a:ext cx="502920" cy="297180"/>
+            <a:off x="6191250" y="772795"/>
+            <a:ext cx="4741545" cy="876300"/>
           </a:xfrm>
           <a:prstGeom prst="rect">
             <a:avLst/>
           </a:prstGeom>
         </p:spPr>
       </p:pic>
-      <p:sp>
-        <p:nvSpPr>
-          <p:cNvPr id="7" name="文本框 6"/>
-          <p:cNvSpPr txBox="1"/>
-          <p:nvPr/>
-        </p:nvSpPr>
-        <p:spPr>
-          <a:xfrm>
-            <a:off x="7275830" y="3429000"/>
-            <a:ext cx="4064000" cy="368300"/>
-          </a:xfrm>
-          <a:prstGeom prst="rect">
-            <a:avLst/>
-          </a:prstGeom>
-          <a:noFill/>
-        </p:spPr>
-        <p:txBody>
-          <a:bodyPr wrap="square" rtlCol="0">
-            <a:spAutoFit/>
-          </a:bodyPr>
-          <a:p>
-            <a:r>
-              <a:rPr lang="zh-CN" altLang="en-US"/>
-              <a:t>正样本</a:t>
-            </a:r>
-            <a:r>
-              <a:rPr lang="zh-CN" altLang="en-US"/>
-              <a:t>区域</a:t>
-            </a:r>
-            <a:endParaRPr lang="zh-CN" altLang="en-US"/>
-          </a:p>
-        </p:txBody>
-      </p:sp>
       <p:pic>
         <p:nvPicPr>
-          <p:cNvPr id="9" name="图片 8"/>
+          <p:cNvPr id="4" name="图片 3"/>
           <p:cNvPicPr>
             <a:picLocks noChangeAspect="1"/>
           </p:cNvPicPr>
@@ -10032,23 +9875,47 @@
         </p:blipFill>
         <p:spPr>
           <a:xfrm>
-            <a:off x="6498590" y="4154805"/>
-            <a:ext cx="541020" cy="274320"/>
+            <a:off x="6315075" y="2314575"/>
+            <a:ext cx="4617720" cy="685800"/>
           </a:xfrm>
           <a:prstGeom prst="rect">
             <a:avLst/>
           </a:prstGeom>
         </p:spPr>
       </p:pic>
-      <p:sp>
-        <p:nvSpPr>
-          <p:cNvPr id="11" name="文本框 10"/>
+      <p:pic>
+        <p:nvPicPr>
+          <p:cNvPr id="5" name="图片 4"/>
+          <p:cNvPicPr>
+            <a:picLocks noChangeAspect="1"/>
+          </p:cNvPicPr>
+          <p:nvPr/>
+        </p:nvPicPr>
+        <p:blipFill>
+          <a:blip r:embed="rId6"/>
+          <a:stretch>
+            <a:fillRect/>
+          </a:stretch>
+        </p:blipFill>
+        <p:spPr>
+          <a:xfrm>
+            <a:off x="6536690" y="3429000"/>
+            <a:ext cx="502920" cy="297180"/>
+          </a:xfrm>
+          <a:prstGeom prst="rect">
+            <a:avLst/>
+          </a:prstGeom>
+        </p:spPr>
+      </p:pic>
+      <p:sp>
+        <p:nvSpPr>
+          <p:cNvPr id="7" name="文本框 6"/>
           <p:cNvSpPr txBox="1"/>
           <p:nvPr/>
         </p:nvSpPr>
         <p:spPr>
           <a:xfrm>
-            <a:off x="7275830" y="4154805"/>
+            <a:off x="7275830" y="3429000"/>
             <a:ext cx="4064000" cy="368300"/>
           </a:xfrm>
           <a:prstGeom prst="rect">
@@ -10060,28 +9927,48 @@
           <a:bodyPr wrap="square" rtlCol="0">
             <a:spAutoFit/>
           </a:bodyPr>
-          <a:p>
-            <a:r>
-              <a:rPr lang="zh-CN" altLang="en-US"/>
-              <a:t>正常区域像素</a:t>
-            </a:r>
-            <a:r>
-              <a:rPr lang="zh-CN" altLang="en-US"/>
-              <a:t>总数</a:t>
-            </a:r>
-            <a:endParaRPr lang="zh-CN" altLang="en-US"/>
-          </a:p>
-        </p:txBody>
-      </p:sp>
-      <p:sp>
-        <p:nvSpPr>
-          <p:cNvPr id="12" name="文本框 11"/>
+          <a:lstStyle/>
+          <a:p>
+            <a:r>
+              <a:rPr lang="zh-CN" altLang="en-US"/>
+              <a:t>正样本区域</a:t>
+            </a:r>
+          </a:p>
+        </p:txBody>
+      </p:sp>
+      <p:pic>
+        <p:nvPicPr>
+          <p:cNvPr id="9" name="图片 8"/>
+          <p:cNvPicPr>
+            <a:picLocks noChangeAspect="1"/>
+          </p:cNvPicPr>
+          <p:nvPr/>
+        </p:nvPicPr>
+        <p:blipFill>
+          <a:blip r:embed="rId7"/>
+          <a:stretch>
+            <a:fillRect/>
+          </a:stretch>
+        </p:blipFill>
+        <p:spPr>
+          <a:xfrm>
+            <a:off x="6498590" y="4154805"/>
+            <a:ext cx="541020" cy="274320"/>
+          </a:xfrm>
+          <a:prstGeom prst="rect">
+            <a:avLst/>
+          </a:prstGeom>
+        </p:spPr>
+      </p:pic>
+      <p:sp>
+        <p:nvSpPr>
+          <p:cNvPr id="11" name="文本框 10"/>
           <p:cNvSpPr txBox="1"/>
           <p:nvPr/>
         </p:nvSpPr>
         <p:spPr>
           <a:xfrm>
-            <a:off x="6536690" y="4815840"/>
+            <a:off x="7275830" y="4154805"/>
             <a:ext cx="4064000" cy="368300"/>
           </a:xfrm>
           <a:prstGeom prst="rect">
@@ -10093,6 +9980,36 @@
           <a:bodyPr wrap="square" rtlCol="0">
             <a:spAutoFit/>
           </a:bodyPr>
+          <a:lstStyle/>
+          <a:p>
+            <a:r>
+              <a:rPr lang="zh-CN" altLang="en-US"/>
+              <a:t>正常区域像素总数</a:t>
+            </a:r>
+          </a:p>
+        </p:txBody>
+      </p:sp>
+      <p:sp>
+        <p:nvSpPr>
+          <p:cNvPr id="12" name="文本框 11"/>
+          <p:cNvSpPr txBox="1"/>
+          <p:nvPr/>
+        </p:nvSpPr>
+        <p:spPr>
+          <a:xfrm>
+            <a:off x="6536690" y="4815840"/>
+            <a:ext cx="4064000" cy="368300"/>
+          </a:xfrm>
+          <a:prstGeom prst="rect">
+            <a:avLst/>
+          </a:prstGeom>
+          <a:noFill/>
+        </p:spPr>
+        <p:txBody>
+          <a:bodyPr wrap="square" rtlCol="0">
+            <a:spAutoFit/>
+          </a:bodyPr>
+          <a:lstStyle/>
           <a:p>
             <a:r>
               <a:rPr lang="en-US" altLang="zh-CN"/>
@@ -10102,7 +10019,6 @@
               <a:rPr lang="zh-CN" altLang="en-US"/>
               <a:t>特征向量</a:t>
             </a:r>
-            <a:endParaRPr lang="zh-CN" altLang="en-US"/>
           </a:p>
         </p:txBody>
       </p:sp>
@@ -10115,8 +10031,8 @@
 </file>
 
 <file path=ppt/tags/tag1.xml><?xml version="1.0" encoding="utf-8"?>
-<p:tagLst xmlns:p="http://schemas.openxmlformats.org/presentationml/2006/main">
-  <p:tag name="commondata" val="eyJoZGlkIjoiM2Y0YWZjMTcwZDUxYjE0OTViNTgyMGZlOGFmOTFhMGUifQ=="/>
+<p:tagLst xmlns:a="http://schemas.openxmlformats.org/drawingml/2006/main" xmlns:r="http://schemas.openxmlformats.org/officeDocument/2006/relationships" xmlns:p="http://schemas.openxmlformats.org/presentationml/2006/main">
+  <p:tag name="COMMONDATA" val="eyJoZGlkIjoiM2Y0YWZjMTcwZDUxYjE0OTViNTgyMGZlOGFmOTFhMGUifQ=="/>
 </p:tagLst>
 </file>
 
@@ -10392,6 +10308,7 @@
       </a:style>
     </a:lnDef>
   </a:objectDefaults>
+  <a:extraClrSchemeLst/>
   <a:extLst>
     <a:ext uri="{05A4C25C-085E-4340-85A3-A5531E510DB2}">
       <thm15:themeFamily xmlns:thm15="http://schemas.microsoft.com/office/thememl/2012/main" name="Office Theme" id="{62F939B6-93AF-4DB8-9C6B-D6C7DFDC589F}" vid="{4A3C46E8-61CC-4603-A589-7422A47A8E4A}"/>
@@ -10672,6 +10589,7 @@
       </a:style>
     </a:lnDef>
   </a:objectDefaults>
+  <a:extraClrSchemeLst/>
   <a:extLst>
     <a:ext uri="{05A4C25C-085E-4340-85A3-A5531E510DB2}">
       <thm15:themeFamily xmlns:thm15="http://schemas.microsoft.com/office/thememl/2012/main" name="Office Theme" id="{62F939B6-93AF-4DB8-9C6B-D6C7DFDC589F}" vid="{4A3C46E8-61CC-4603-A589-7422A47A8E4A}"/>
@@ -10952,6 +10870,7 @@
       </a:style>
     </a:lnDef>
   </a:objectDefaults>
+  <a:extraClrSchemeLst/>
   <a:extLst>
     <a:ext uri="{05A4C25C-085E-4340-85A3-A5531E510DB2}">
       <thm15:themeFamily xmlns:thm15="http://schemas.microsoft.com/office/thememl/2012/main" name="Office Theme" id="{62F939B6-93AF-4DB8-9C6B-D6C7DFDC589F}" vid="{4A3C46E8-61CC-4603-A589-7422A47A8E4A}"/>
